--- a/assets/alsea_slides_fg_web.pptx
+++ b/assets/alsea_slides_fg_web.pptx
@@ -245,7 +245,7 @@
           <a:p>
             <a:fld id="{F73E1B03-40AD-4841-BCA7-1CEAAD8F204E}" type="datetimeFigureOut">
               <a:rPr lang="en-US" smtClean="0"/>
-              <a:t>8/28/2022</a:t>
+              <a:t>8/29/2022</a:t>
             </a:fld>
             <a:endParaRPr lang="en-US"/>
           </a:p>
@@ -415,7 +415,7 @@
           <a:p>
             <a:fld id="{F73E1B03-40AD-4841-BCA7-1CEAAD8F204E}" type="datetimeFigureOut">
               <a:rPr lang="en-US" smtClean="0"/>
-              <a:t>8/28/2022</a:t>
+              <a:t>8/29/2022</a:t>
             </a:fld>
             <a:endParaRPr lang="en-US"/>
           </a:p>
@@ -595,7 +595,7 @@
           <a:p>
             <a:fld id="{F73E1B03-40AD-4841-BCA7-1CEAAD8F204E}" type="datetimeFigureOut">
               <a:rPr lang="en-US" smtClean="0"/>
-              <a:t>8/28/2022</a:t>
+              <a:t>8/29/2022</a:t>
             </a:fld>
             <a:endParaRPr lang="en-US"/>
           </a:p>
@@ -765,7 +765,7 @@
           <a:p>
             <a:fld id="{F73E1B03-40AD-4841-BCA7-1CEAAD8F204E}" type="datetimeFigureOut">
               <a:rPr lang="en-US" smtClean="0"/>
-              <a:t>8/28/2022</a:t>
+              <a:t>8/29/2022</a:t>
             </a:fld>
             <a:endParaRPr lang="en-US"/>
           </a:p>
@@ -1009,7 +1009,7 @@
           <a:p>
             <a:fld id="{F73E1B03-40AD-4841-BCA7-1CEAAD8F204E}" type="datetimeFigureOut">
               <a:rPr lang="en-US" smtClean="0"/>
-              <a:t>8/28/2022</a:t>
+              <a:t>8/29/2022</a:t>
             </a:fld>
             <a:endParaRPr lang="en-US"/>
           </a:p>
@@ -1241,7 +1241,7 @@
           <a:p>
             <a:fld id="{F73E1B03-40AD-4841-BCA7-1CEAAD8F204E}" type="datetimeFigureOut">
               <a:rPr lang="en-US" smtClean="0"/>
-              <a:t>8/28/2022</a:t>
+              <a:t>8/29/2022</a:t>
             </a:fld>
             <a:endParaRPr lang="en-US"/>
           </a:p>
@@ -1608,7 +1608,7 @@
           <a:p>
             <a:fld id="{F73E1B03-40AD-4841-BCA7-1CEAAD8F204E}" type="datetimeFigureOut">
               <a:rPr lang="en-US" smtClean="0"/>
-              <a:t>8/28/2022</a:t>
+              <a:t>8/29/2022</a:t>
             </a:fld>
             <a:endParaRPr lang="en-US"/>
           </a:p>
@@ -1726,7 +1726,7 @@
           <a:p>
             <a:fld id="{F73E1B03-40AD-4841-BCA7-1CEAAD8F204E}" type="datetimeFigureOut">
               <a:rPr lang="en-US" smtClean="0"/>
-              <a:t>8/28/2022</a:t>
+              <a:t>8/29/2022</a:t>
             </a:fld>
             <a:endParaRPr lang="en-US"/>
           </a:p>
@@ -1821,7 +1821,7 @@
           <a:p>
             <a:fld id="{F73E1B03-40AD-4841-BCA7-1CEAAD8F204E}" type="datetimeFigureOut">
               <a:rPr lang="en-US" smtClean="0"/>
-              <a:t>8/28/2022</a:t>
+              <a:t>8/29/2022</a:t>
             </a:fld>
             <a:endParaRPr lang="en-US"/>
           </a:p>
@@ -2098,7 +2098,7 @@
           <a:p>
             <a:fld id="{F73E1B03-40AD-4841-BCA7-1CEAAD8F204E}" type="datetimeFigureOut">
               <a:rPr lang="en-US" smtClean="0"/>
-              <a:t>8/28/2022</a:t>
+              <a:t>8/29/2022</a:t>
             </a:fld>
             <a:endParaRPr lang="en-US"/>
           </a:p>
@@ -2355,7 +2355,7 @@
           <a:p>
             <a:fld id="{F73E1B03-40AD-4841-BCA7-1CEAAD8F204E}" type="datetimeFigureOut">
               <a:rPr lang="en-US" smtClean="0"/>
-              <a:t>8/28/2022</a:t>
+              <a:t>8/29/2022</a:t>
             </a:fld>
             <a:endParaRPr lang="en-US"/>
           </a:p>
@@ -2568,7 +2568,7 @@
           <a:p>
             <a:fld id="{F73E1B03-40AD-4841-BCA7-1CEAAD8F204E}" type="datetimeFigureOut">
               <a:rPr lang="en-US" smtClean="0"/>
-              <a:t>8/28/2022</a:t>
+              <a:t>8/29/2022</a:t>
             </a:fld>
             <a:endParaRPr lang="en-US"/>
           </a:p>
@@ -3098,10 +3098,10 @@
       </p:grpSpPr>
       <p:sp>
         <p:nvSpPr>
-          <p:cNvPr id="7" name="Freeform: Shape 6">
+          <p:cNvPr id="24" name="Freeform: Shape 23">
             <a:extLst>
               <a:ext uri="{FF2B5EF4-FFF2-40B4-BE49-F238E27FC236}">
-                <a16:creationId xmlns:a16="http://schemas.microsoft.com/office/drawing/2014/main" id="{8A486FFC-2778-E3E6-29FF-CAFFDE4B282E}"/>
+                <a16:creationId xmlns:a16="http://schemas.microsoft.com/office/drawing/2014/main" id="{94FEB311-8BD8-FDBB-A3FC-185FF913D499}"/>
               </a:ext>
             </a:extLst>
           </p:cNvPr>
@@ -3110,26 +3110,28 @@
         </p:nvSpPr>
         <p:spPr>
           <a:xfrm>
-            <a:off x="1009650" y="2876550"/>
-            <a:ext cx="9810750" cy="2274570"/>
+            <a:off x="1634066" y="1806415"/>
+            <a:ext cx="9050482" cy="2255165"/>
           </a:xfrm>
           <a:custGeom>
             <a:avLst/>
             <a:gdLst>
-              <a:gd name="connsiteX0" fmla="*/ 9960 w 9810750"/>
-              <a:gd name="connsiteY0" fmla="*/ 0 h 2274570"/>
-              <a:gd name="connsiteX1" fmla="*/ 9810750 w 9810750"/>
-              <a:gd name="connsiteY1" fmla="*/ 0 h 2274570"/>
-              <a:gd name="connsiteX2" fmla="*/ 9810750 w 9810750"/>
-              <a:gd name="connsiteY2" fmla="*/ 2257665 h 2274570"/>
-              <a:gd name="connsiteX3" fmla="*/ 9631669 w 9810750"/>
-              <a:gd name="connsiteY3" fmla="*/ 2263333 h 2274570"/>
-              <a:gd name="connsiteX4" fmla="*/ 8738235 w 9810750"/>
-              <a:gd name="connsiteY4" fmla="*/ 2274570 h 2274570"/>
-              <a:gd name="connsiteX5" fmla="*/ 0 w 9810750"/>
-              <a:gd name="connsiteY5" fmla="*/ 98107 h 2274570"/>
-              <a:gd name="connsiteX6" fmla="*/ 9960 w 9810750"/>
-              <a:gd name="connsiteY6" fmla="*/ 0 h 2274570"/>
+              <a:gd name="connsiteX0" fmla="*/ 0 w 9050482"/>
+              <a:gd name="connsiteY0" fmla="*/ 0 h 2255165"/>
+              <a:gd name="connsiteX1" fmla="*/ 79557 w 9050482"/>
+              <a:gd name="connsiteY1" fmla="*/ 43440 h 2255165"/>
+              <a:gd name="connsiteX2" fmla="*/ 3920067 w 9050482"/>
+              <a:gd name="connsiteY2" fmla="*/ 1789499 h 2255165"/>
+              <a:gd name="connsiteX3" fmla="*/ 9034306 w 9050482"/>
+              <a:gd name="connsiteY3" fmla="*/ 2145273 h 2255165"/>
+              <a:gd name="connsiteX4" fmla="*/ 9050482 w 9050482"/>
+              <a:gd name="connsiteY4" fmla="*/ 2145255 h 2255165"/>
+              <a:gd name="connsiteX5" fmla="*/ 9050482 w 9050482"/>
+              <a:gd name="connsiteY5" fmla="*/ 2255165 h 2255165"/>
+              <a:gd name="connsiteX6" fmla="*/ 0 w 9050482"/>
+              <a:gd name="connsiteY6" fmla="*/ 2255165 h 2255165"/>
+              <a:gd name="connsiteX7" fmla="*/ 0 w 9050482"/>
+              <a:gd name="connsiteY7" fmla="*/ 0 h 2255165"/>
             </a:gdLst>
             <a:ahLst/>
             <a:cxnLst>
@@ -3154,67 +3156,45 @@
               <a:cxn ang="0">
                 <a:pos x="connsiteX6" y="connsiteY6"/>
               </a:cxn>
+              <a:cxn ang="0">
+                <a:pos x="connsiteX7" y="connsiteY7"/>
+              </a:cxn>
             </a:cxnLst>
             <a:rect l="l" t="t" r="r" b="b"/>
             <a:pathLst>
-              <a:path w="9810750" h="2274570">
+              <a:path w="9050482" h="2255165">
                 <a:moveTo>
-                  <a:pt x="9960" y="0"/>
+                  <a:pt x="0" y="0"/>
                 </a:moveTo>
                 <a:lnTo>
-                  <a:pt x="9810750" y="0"/>
+                  <a:pt x="79557" y="43440"/>
+                </a:lnTo>
+                <a:cubicBezTo>
+                  <a:pt x="1006668" y="554545"/>
+                  <a:pt x="2577483" y="1467325"/>
+                  <a:pt x="3920067" y="1789499"/>
+                </a:cubicBezTo>
+                <a:cubicBezTo>
+                  <a:pt x="5365927" y="2136456"/>
+                  <a:pt x="7831667" y="2146334"/>
+                  <a:pt x="9034306" y="2145273"/>
+                </a:cubicBezTo>
+                <a:lnTo>
+                  <a:pt x="9050482" y="2145255"/>
                 </a:lnTo>
                 <a:lnTo>
-                  <a:pt x="9810750" y="2257665"/>
+                  <a:pt x="9050482" y="2255165"/>
                 </a:lnTo>
                 <a:lnTo>
-                  <a:pt x="9631669" y="2263333"/>
+                  <a:pt x="0" y="2255165"/>
                 </a:lnTo>
-                <a:cubicBezTo>
-                  <a:pt x="9337915" y="2270764"/>
-                  <a:pt x="9039860" y="2274570"/>
-                  <a:pt x="8738235" y="2274570"/>
-                </a:cubicBezTo>
-                <a:cubicBezTo>
-                  <a:pt x="3912241" y="2274570"/>
-                  <a:pt x="0" y="1300134"/>
-                  <a:pt x="0" y="98107"/>
-                </a:cubicBezTo>
                 <a:lnTo>
-                  <a:pt x="9960" y="0"/>
+                  <a:pt x="0" y="0"/>
                 </a:lnTo>
                 <a:close/>
               </a:path>
             </a:pathLst>
           </a:custGeom>
-          <a:gradFill flip="none" rotWithShape="1">
-            <a:gsLst>
-              <a:gs pos="7000">
-                <a:srgbClr val="88B6E0"/>
-              </a:gs>
-              <a:gs pos="71000">
-                <a:schemeClr val="accent5">
-                  <a:lumMod val="60000"/>
-                  <a:lumOff val="40000"/>
-                  <a:tint val="44500"/>
-                  <a:satMod val="160000"/>
-                </a:schemeClr>
-              </a:gs>
-              <a:gs pos="100000">
-                <a:schemeClr val="accent5">
-                  <a:lumMod val="60000"/>
-                  <a:lumOff val="40000"/>
-                  <a:tint val="23500"/>
-                  <a:satMod val="160000"/>
-                </a:schemeClr>
-              </a:gs>
-            </a:gsLst>
-            <a:lin ang="5400000" scaled="1"/>
-            <a:tileRect/>
-          </a:gradFill>
-          <a:ln>
-            <a:noFill/>
-          </a:ln>
         </p:spPr>
         <p:style>
           <a:lnRef idx="2">
@@ -3233,7 +3213,9 @@
           </a:fontRef>
         </p:style>
         <p:txBody>
-          <a:bodyPr rtlCol="0" anchor="ctr"/>
+          <a:bodyPr wrap="square" rtlCol="0" anchor="ctr">
+            <a:noAutofit/>
+          </a:bodyPr>
           <a:lstStyle/>
           <a:p>
             <a:pPr algn="ctr"/>
@@ -3243,10 +3225,10 @@
       </p:sp>
       <p:sp>
         <p:nvSpPr>
-          <p:cNvPr id="4" name="Freeform: Shape 3">
+          <p:cNvPr id="26" name="Freeform: Shape 25">
             <a:extLst>
               <a:ext uri="{FF2B5EF4-FFF2-40B4-BE49-F238E27FC236}">
-                <a16:creationId xmlns:a16="http://schemas.microsoft.com/office/drawing/2014/main" id="{CF533985-CF45-D626-CD78-F40A9FEF4404}"/>
+                <a16:creationId xmlns:a16="http://schemas.microsoft.com/office/drawing/2014/main" id="{2F090D8D-3A43-95B4-EA85-CF6F72D51C77}"/>
               </a:ext>
             </a:extLst>
           </p:cNvPr>
@@ -3255,26 +3237,38 @@
         </p:nvSpPr>
         <p:spPr>
           <a:xfrm>
-            <a:off x="1009650" y="2974658"/>
-            <a:ext cx="9810750" cy="2911793"/>
+            <a:off x="1634066" y="1185333"/>
+            <a:ext cx="9050482" cy="2777298"/>
           </a:xfrm>
           <a:custGeom>
             <a:avLst/>
             <a:gdLst>
-              <a:gd name="connsiteX0" fmla="*/ 0 w 9810750"/>
-              <a:gd name="connsiteY0" fmla="*/ 0 h 2911793"/>
-              <a:gd name="connsiteX1" fmla="*/ 8738235 w 9810750"/>
-              <a:gd name="connsiteY1" fmla="*/ 2176463 h 2911793"/>
-              <a:gd name="connsiteX2" fmla="*/ 9631669 w 9810750"/>
-              <a:gd name="connsiteY2" fmla="*/ 2165226 h 2911793"/>
-              <a:gd name="connsiteX3" fmla="*/ 9810750 w 9810750"/>
-              <a:gd name="connsiteY3" fmla="*/ 2159558 h 2911793"/>
-              <a:gd name="connsiteX4" fmla="*/ 9810750 w 9810750"/>
-              <a:gd name="connsiteY4" fmla="*/ 2911793 h 2911793"/>
-              <a:gd name="connsiteX5" fmla="*/ 0 w 9810750"/>
-              <a:gd name="connsiteY5" fmla="*/ 2911793 h 2911793"/>
-              <a:gd name="connsiteX6" fmla="*/ 0 w 9810750"/>
-              <a:gd name="connsiteY6" fmla="*/ 0 h 2911793"/>
+              <a:gd name="connsiteX0" fmla="*/ 0 w 9050482"/>
+              <a:gd name="connsiteY0" fmla="*/ 0 h 2777298"/>
+              <a:gd name="connsiteX1" fmla="*/ 11771 w 9050482"/>
+              <a:gd name="connsiteY1" fmla="*/ 0 h 2777298"/>
+              <a:gd name="connsiteX2" fmla="*/ 76201 w 9050482"/>
+              <a:gd name="connsiteY2" fmla="*/ 33867 h 2777298"/>
+              <a:gd name="connsiteX3" fmla="*/ 2379134 w 9050482"/>
+              <a:gd name="connsiteY3" fmla="*/ 1100667 h 2777298"/>
+              <a:gd name="connsiteX4" fmla="*/ 4859867 w 9050482"/>
+              <a:gd name="connsiteY4" fmla="*/ 1278467 h 2777298"/>
+              <a:gd name="connsiteX5" fmla="*/ 7933267 w 9050482"/>
+              <a:gd name="connsiteY5" fmla="*/ 1295400 h 2777298"/>
+              <a:gd name="connsiteX6" fmla="*/ 8894234 w 9050482"/>
+              <a:gd name="connsiteY6" fmla="*/ 1299634 h 2777298"/>
+              <a:gd name="connsiteX7" fmla="*/ 9050482 w 9050482"/>
+              <a:gd name="connsiteY7" fmla="*/ 1296594 h 2777298"/>
+              <a:gd name="connsiteX8" fmla="*/ 9050482 w 9050482"/>
+              <a:gd name="connsiteY8" fmla="*/ 2777223 h 2777298"/>
+              <a:gd name="connsiteX9" fmla="*/ 9034306 w 9050482"/>
+              <a:gd name="connsiteY9" fmla="*/ 2777241 h 2777298"/>
+              <a:gd name="connsiteX10" fmla="*/ 3920067 w 9050482"/>
+              <a:gd name="connsiteY10" fmla="*/ 2421467 h 2777298"/>
+              <a:gd name="connsiteX11" fmla="*/ 79557 w 9050482"/>
+              <a:gd name="connsiteY11" fmla="*/ 675408 h 2777298"/>
+              <a:gd name="connsiteX12" fmla="*/ 0 w 9050482"/>
+              <a:gd name="connsiteY12" fmla="*/ 631968 h 2777298"/>
             </a:gdLst>
             <a:ahLst/>
             <a:cxnLst>
@@ -3299,70 +3293,83 @@
               <a:cxn ang="0">
                 <a:pos x="connsiteX6" y="connsiteY6"/>
               </a:cxn>
+              <a:cxn ang="0">
+                <a:pos x="connsiteX7" y="connsiteY7"/>
+              </a:cxn>
+              <a:cxn ang="0">
+                <a:pos x="connsiteX8" y="connsiteY8"/>
+              </a:cxn>
+              <a:cxn ang="0">
+                <a:pos x="connsiteX9" y="connsiteY9"/>
+              </a:cxn>
+              <a:cxn ang="0">
+                <a:pos x="connsiteX10" y="connsiteY10"/>
+              </a:cxn>
+              <a:cxn ang="0">
+                <a:pos x="connsiteX11" y="connsiteY11"/>
+              </a:cxn>
+              <a:cxn ang="0">
+                <a:pos x="connsiteX12" y="connsiteY12"/>
+              </a:cxn>
             </a:cxnLst>
             <a:rect l="l" t="t" r="r" b="b"/>
             <a:pathLst>
-              <a:path w="9810750" h="2911793">
+              <a:path w="9050482" h="2777298">
                 <a:moveTo>
                   <a:pt x="0" y="0"/>
                 </a:moveTo>
+                <a:lnTo>
+                  <a:pt x="11771" y="0"/>
+                </a:lnTo>
+                <a:lnTo>
+                  <a:pt x="76201" y="33867"/>
+                </a:lnTo>
                 <a:cubicBezTo>
-                  <a:pt x="0" y="1202027"/>
-                  <a:pt x="3912241" y="2176463"/>
-                  <a:pt x="8738235" y="2176463"/>
+                  <a:pt x="550334" y="277989"/>
+                  <a:pt x="1581856" y="893234"/>
+                  <a:pt x="2379134" y="1100667"/>
                 </a:cubicBezTo>
                 <a:cubicBezTo>
-                  <a:pt x="9039860" y="2176463"/>
-                  <a:pt x="9337915" y="2172657"/>
-                  <a:pt x="9631669" y="2165226"/>
+                  <a:pt x="3176413" y="1308100"/>
+                  <a:pt x="3934178" y="1246012"/>
+                  <a:pt x="4859867" y="1278467"/>
+                </a:cubicBezTo>
+                <a:cubicBezTo>
+                  <a:pt x="5785556" y="1310923"/>
+                  <a:pt x="7158567" y="1295400"/>
+                  <a:pt x="7933267" y="1295400"/>
+                </a:cubicBezTo>
+                <a:cubicBezTo>
+                  <a:pt x="8320617" y="1291167"/>
+                  <a:pt x="8635648" y="1301045"/>
+                  <a:pt x="8894234" y="1299634"/>
                 </a:cubicBezTo>
                 <a:lnTo>
-                  <a:pt x="9810750" y="2159558"/>
+                  <a:pt x="9050482" y="1296594"/>
                 </a:lnTo>
                 <a:lnTo>
-                  <a:pt x="9810750" y="2911793"/>
+                  <a:pt x="9050482" y="2777223"/>
                 </a:lnTo>
                 <a:lnTo>
-                  <a:pt x="0" y="2911793"/>
+                  <a:pt x="9034306" y="2777241"/>
                 </a:lnTo>
+                <a:cubicBezTo>
+                  <a:pt x="7831667" y="2778302"/>
+                  <a:pt x="5365927" y="2768424"/>
+                  <a:pt x="3920067" y="2421467"/>
+                </a:cubicBezTo>
+                <a:cubicBezTo>
+                  <a:pt x="2577483" y="2099293"/>
+                  <a:pt x="1006668" y="1186513"/>
+                  <a:pt x="79557" y="675408"/>
+                </a:cubicBezTo>
                 <a:lnTo>
-                  <a:pt x="0" y="0"/>
+                  <a:pt x="0" y="631968"/>
                 </a:lnTo>
                 <a:close/>
               </a:path>
             </a:pathLst>
           </a:custGeom>
-          <a:gradFill flip="none" rotWithShape="1">
-            <a:gsLst>
-              <a:gs pos="77000">
-                <a:schemeClr val="tx1">
-                  <a:lumMod val="65000"/>
-                  <a:lumOff val="35000"/>
-                </a:schemeClr>
-              </a:gs>
-              <a:gs pos="19000">
-                <a:schemeClr val="tx1">
-                  <a:lumMod val="85000"/>
-                  <a:lumOff val="15000"/>
-                  <a:tint val="44500"/>
-                  <a:satMod val="160000"/>
-                </a:schemeClr>
-              </a:gs>
-              <a:gs pos="0">
-                <a:schemeClr val="tx1">
-                  <a:lumMod val="85000"/>
-                  <a:lumOff val="15000"/>
-                  <a:tint val="23500"/>
-                  <a:satMod val="160000"/>
-                </a:schemeClr>
-              </a:gs>
-            </a:gsLst>
-            <a:lin ang="16200000" scaled="1"/>
-            <a:tileRect/>
-          </a:gradFill>
-          <a:ln>
-            <a:noFill/>
-          </a:ln>
         </p:spPr>
         <p:style>
           <a:lnRef idx="2">

--- a/assets/alsea_slides_fg_web.pptx
+++ b/assets/alsea_slides_fg_web.pptx
@@ -6,8 +6,14 @@
   </p:sldMasterIdLst>
   <p:sldIdLst>
     <p:sldId id="265" r:id="rId2"/>
-    <p:sldId id="268" r:id="rId3"/>
-    <p:sldId id="267" r:id="rId4"/>
+    <p:sldId id="274" r:id="rId3"/>
+    <p:sldId id="268" r:id="rId4"/>
+    <p:sldId id="269" r:id="rId5"/>
+    <p:sldId id="271" r:id="rId6"/>
+    <p:sldId id="270" r:id="rId7"/>
+    <p:sldId id="272" r:id="rId8"/>
+    <p:sldId id="267" r:id="rId9"/>
+    <p:sldId id="273" r:id="rId10"/>
   </p:sldIdLst>
   <p:sldSz cx="12192000" cy="9144000"/>
   <p:notesSz cx="6858000" cy="9144000"/>
@@ -112,6 +118,284 @@
     </p:ext>
   </p:extLst>
 </p:presentation>
+</file>
+
+<file path=ppt/revisionInfo.xml><?xml version="1.0" encoding="utf-8"?>
+<p1510:revInfo xmlns:a="http://schemas.openxmlformats.org/drawingml/2006/main" xmlns:r="http://schemas.openxmlformats.org/officeDocument/2006/relationships" xmlns:p1510="http://schemas.microsoft.com/office/powerpoint/2015/10/main">
+  <p1510:revLst>
+    <p1510:client id="{F01A4BA6-7C3C-44D9-BE26-416D14780CDE}" v="9" dt="2022-09-06T23:28:42.540"/>
+  </p1510:revLst>
+</p1510:revInfo>
+</file>
+
+<file path=ppt/changesInfos/changesInfo1.xml><?xml version="1.0" encoding="utf-8"?>
+<pc:chgInfo xmlns:a="http://schemas.openxmlformats.org/drawingml/2006/main" xmlns:r="http://schemas.openxmlformats.org/officeDocument/2006/relationships" xmlns:ac="http://schemas.microsoft.com/office/drawing/2013/main/command" xmlns:pc="http://schemas.microsoft.com/office/powerpoint/2013/main/command">
+  <pc:docChgLst>
+    <pc:chgData name="Guerrero, Francisco J" userId="6932753a-0454-4599-8934-90d573510db2" providerId="ADAL" clId="{F01A4BA6-7C3C-44D9-BE26-416D14780CDE}"/>
+    <pc:docChg chg="undo custSel addSld modSld sldOrd">
+      <pc:chgData name="Guerrero, Francisco J" userId="6932753a-0454-4599-8934-90d573510db2" providerId="ADAL" clId="{F01A4BA6-7C3C-44D9-BE26-416D14780CDE}" dt="2022-09-06T23:29:57.636" v="54" actId="207"/>
+      <pc:docMkLst>
+        <pc:docMk/>
+      </pc:docMkLst>
+      <pc:sldChg chg="modSp mod">
+        <pc:chgData name="Guerrero, Francisco J" userId="6932753a-0454-4599-8934-90d573510db2" providerId="ADAL" clId="{F01A4BA6-7C3C-44D9-BE26-416D14780CDE}" dt="2022-09-06T22:24:19.877" v="32" actId="1076"/>
+        <pc:sldMkLst>
+          <pc:docMk/>
+          <pc:sldMk cId="2555299821" sldId="265"/>
+        </pc:sldMkLst>
+        <pc:picChg chg="mod">
+          <ac:chgData name="Guerrero, Francisco J" userId="6932753a-0454-4599-8934-90d573510db2" providerId="ADAL" clId="{F01A4BA6-7C3C-44D9-BE26-416D14780CDE}" dt="2022-09-06T22:24:19.877" v="32" actId="1076"/>
+          <ac:picMkLst>
+            <pc:docMk/>
+            <pc:sldMk cId="2555299821" sldId="265"/>
+            <ac:picMk id="24" creationId="{DF93C132-294B-488C-5AEB-26F0F71111D1}"/>
+          </ac:picMkLst>
+        </pc:picChg>
+      </pc:sldChg>
+      <pc:sldChg chg="modSp mod">
+        <pc:chgData name="Guerrero, Francisco J" userId="6932753a-0454-4599-8934-90d573510db2" providerId="ADAL" clId="{F01A4BA6-7C3C-44D9-BE26-416D14780CDE}" dt="2022-09-06T16:39:01.847" v="0" actId="1076"/>
+        <pc:sldMkLst>
+          <pc:docMk/>
+          <pc:sldMk cId="1045901066" sldId="268"/>
+        </pc:sldMkLst>
+        <pc:spChg chg="mod">
+          <ac:chgData name="Guerrero, Francisco J" userId="6932753a-0454-4599-8934-90d573510db2" providerId="ADAL" clId="{F01A4BA6-7C3C-44D9-BE26-416D14780CDE}" dt="2022-09-06T16:39:01.847" v="0" actId="1076"/>
+          <ac:spMkLst>
+            <pc:docMk/>
+            <pc:sldMk cId="1045901066" sldId="268"/>
+            <ac:spMk id="26" creationId="{2F090D8D-3A43-95B4-EA85-CF6F72D51C77}"/>
+          </ac:spMkLst>
+        </pc:spChg>
+      </pc:sldChg>
+      <pc:sldChg chg="addSp modSp new mod">
+        <pc:chgData name="Guerrero, Francisco J" userId="6932753a-0454-4599-8934-90d573510db2" providerId="ADAL" clId="{F01A4BA6-7C3C-44D9-BE26-416D14780CDE}" dt="2022-09-06T16:44:15.974" v="9" actId="206"/>
+        <pc:sldMkLst>
+          <pc:docMk/>
+          <pc:sldMk cId="63910260" sldId="269"/>
+        </pc:sldMkLst>
+        <pc:spChg chg="add mod">
+          <ac:chgData name="Guerrero, Francisco J" userId="6932753a-0454-4599-8934-90d573510db2" providerId="ADAL" clId="{F01A4BA6-7C3C-44D9-BE26-416D14780CDE}" dt="2022-09-06T16:42:57.349" v="3" actId="1076"/>
+          <ac:spMkLst>
+            <pc:docMk/>
+            <pc:sldMk cId="63910260" sldId="269"/>
+            <ac:spMk id="2" creationId="{1C291641-5F05-4974-A983-D461ECF69FCF}"/>
+          </ac:spMkLst>
+        </pc:spChg>
+        <pc:spChg chg="add mod">
+          <ac:chgData name="Guerrero, Francisco J" userId="6932753a-0454-4599-8934-90d573510db2" providerId="ADAL" clId="{F01A4BA6-7C3C-44D9-BE26-416D14780CDE}" dt="2022-09-06T16:44:15.974" v="9" actId="206"/>
+          <ac:spMkLst>
+            <pc:docMk/>
+            <pc:sldMk cId="63910260" sldId="269"/>
+            <ac:spMk id="3" creationId="{A0F45CD5-3656-4624-ADC0-3BBA751A7B7E}"/>
+          </ac:spMkLst>
+        </pc:spChg>
+      </pc:sldChg>
+      <pc:sldChg chg="addSp delSp modSp add mod">
+        <pc:chgData name="Guerrero, Francisco J" userId="6932753a-0454-4599-8934-90d573510db2" providerId="ADAL" clId="{F01A4BA6-7C3C-44D9-BE26-416D14780CDE}" dt="2022-09-06T16:46:27.354" v="21" actId="478"/>
+        <pc:sldMkLst>
+          <pc:docMk/>
+          <pc:sldMk cId="1860357190" sldId="270"/>
+        </pc:sldMkLst>
+        <pc:spChg chg="del">
+          <ac:chgData name="Guerrero, Francisco J" userId="6932753a-0454-4599-8934-90d573510db2" providerId="ADAL" clId="{F01A4BA6-7C3C-44D9-BE26-416D14780CDE}" dt="2022-09-06T16:44:44.474" v="11"/>
+          <ac:spMkLst>
+            <pc:docMk/>
+            <pc:sldMk cId="1860357190" sldId="270"/>
+            <ac:spMk id="2" creationId="{1C291641-5F05-4974-A983-D461ECF69FCF}"/>
+          </ac:spMkLst>
+        </pc:spChg>
+        <pc:spChg chg="del">
+          <ac:chgData name="Guerrero, Francisco J" userId="6932753a-0454-4599-8934-90d573510db2" providerId="ADAL" clId="{F01A4BA6-7C3C-44D9-BE26-416D14780CDE}" dt="2022-09-06T16:44:44.474" v="11"/>
+          <ac:spMkLst>
+            <pc:docMk/>
+            <pc:sldMk cId="1860357190" sldId="270"/>
+            <ac:spMk id="3" creationId="{A0F45CD5-3656-4624-ADC0-3BBA751A7B7E}"/>
+          </ac:spMkLst>
+        </pc:spChg>
+        <pc:spChg chg="mod">
+          <ac:chgData name="Guerrero, Francisco J" userId="6932753a-0454-4599-8934-90d573510db2" providerId="ADAL" clId="{F01A4BA6-7C3C-44D9-BE26-416D14780CDE}" dt="2022-09-06T16:44:44.474" v="11"/>
+          <ac:spMkLst>
+            <pc:docMk/>
+            <pc:sldMk cId="1860357190" sldId="270"/>
+            <ac:spMk id="4" creationId="{5B80C978-BB95-43AD-B9B3-5741E203CF2A}"/>
+          </ac:spMkLst>
+        </pc:spChg>
+        <pc:spChg chg="del mod">
+          <ac:chgData name="Guerrero, Francisco J" userId="6932753a-0454-4599-8934-90d573510db2" providerId="ADAL" clId="{F01A4BA6-7C3C-44D9-BE26-416D14780CDE}" dt="2022-09-06T16:44:48.319" v="12" actId="478"/>
+          <ac:spMkLst>
+            <pc:docMk/>
+            <pc:sldMk cId="1860357190" sldId="270"/>
+            <ac:spMk id="5" creationId="{5E0A0811-FE1C-4323-8D9A-96ED2E418B7F}"/>
+          </ac:spMkLst>
+        </pc:spChg>
+        <pc:spChg chg="del mod">
+          <ac:chgData name="Guerrero, Francisco J" userId="6932753a-0454-4599-8934-90d573510db2" providerId="ADAL" clId="{F01A4BA6-7C3C-44D9-BE26-416D14780CDE}" dt="2022-09-06T16:46:22.773" v="19"/>
+          <ac:spMkLst>
+            <pc:docMk/>
+            <pc:sldMk cId="1860357190" sldId="270"/>
+            <ac:spMk id="6" creationId="{8D0CD01C-278C-4C33-B769-5C2FA9DBF3FC}"/>
+          </ac:spMkLst>
+        </pc:spChg>
+        <pc:spChg chg="add del">
+          <ac:chgData name="Guerrero, Francisco J" userId="6932753a-0454-4599-8934-90d573510db2" providerId="ADAL" clId="{F01A4BA6-7C3C-44D9-BE26-416D14780CDE}" dt="2022-09-06T16:46:22.773" v="19"/>
+          <ac:spMkLst>
+            <pc:docMk/>
+            <pc:sldMk cId="1860357190" sldId="270"/>
+            <ac:spMk id="7" creationId="{B8534B55-BEE3-4F4E-B35E-C0E3CF85DFF8}"/>
+          </ac:spMkLst>
+        </pc:spChg>
+        <pc:spChg chg="mod">
+          <ac:chgData name="Guerrero, Francisco J" userId="6932753a-0454-4599-8934-90d573510db2" providerId="ADAL" clId="{F01A4BA6-7C3C-44D9-BE26-416D14780CDE}" dt="2022-09-06T16:46:22.773" v="19"/>
+          <ac:spMkLst>
+            <pc:docMk/>
+            <pc:sldMk cId="1860357190" sldId="270"/>
+            <ac:spMk id="8" creationId="{EE2D5E5E-66B2-42C1-97C4-CF58B2BAC627}"/>
+          </ac:spMkLst>
+        </pc:spChg>
+        <pc:spChg chg="del mod">
+          <ac:chgData name="Guerrero, Francisco J" userId="6932753a-0454-4599-8934-90d573510db2" providerId="ADAL" clId="{F01A4BA6-7C3C-44D9-BE26-416D14780CDE}" dt="2022-09-06T16:46:27.354" v="21" actId="478"/>
+          <ac:spMkLst>
+            <pc:docMk/>
+            <pc:sldMk cId="1860357190" sldId="270"/>
+            <ac:spMk id="9" creationId="{08F43AC7-BC8C-41CF-812F-82E556150227}"/>
+          </ac:spMkLst>
+        </pc:spChg>
+        <pc:spChg chg="del mod">
+          <ac:chgData name="Guerrero, Francisco J" userId="6932753a-0454-4599-8934-90d573510db2" providerId="ADAL" clId="{F01A4BA6-7C3C-44D9-BE26-416D14780CDE}" dt="2022-09-06T16:46:25.821" v="20" actId="478"/>
+          <ac:spMkLst>
+            <pc:docMk/>
+            <pc:sldMk cId="1860357190" sldId="270"/>
+            <ac:spMk id="10" creationId="{E77F2D4E-B80C-4797-8AE8-51296EF5F608}"/>
+          </ac:spMkLst>
+        </pc:spChg>
+      </pc:sldChg>
+      <pc:sldChg chg="add ord">
+        <pc:chgData name="Guerrero, Francisco J" userId="6932753a-0454-4599-8934-90d573510db2" providerId="ADAL" clId="{F01A4BA6-7C3C-44D9-BE26-416D14780CDE}" dt="2022-09-06T16:46:11.819" v="18"/>
+        <pc:sldMkLst>
+          <pc:docMk/>
+          <pc:sldMk cId="4052999425" sldId="271"/>
+        </pc:sldMkLst>
+      </pc:sldChg>
+      <pc:sldChg chg="modSp add mod">
+        <pc:chgData name="Guerrero, Francisco J" userId="6932753a-0454-4599-8934-90d573510db2" providerId="ADAL" clId="{F01A4BA6-7C3C-44D9-BE26-416D14780CDE}" dt="2022-09-06T22:23:48.109" v="30" actId="207"/>
+        <pc:sldMkLst>
+          <pc:docMk/>
+          <pc:sldMk cId="3762785988" sldId="272"/>
+        </pc:sldMkLst>
+        <pc:spChg chg="mod">
+          <ac:chgData name="Guerrero, Francisco J" userId="6932753a-0454-4599-8934-90d573510db2" providerId="ADAL" clId="{F01A4BA6-7C3C-44D9-BE26-416D14780CDE}" dt="2022-09-06T22:23:48.109" v="30" actId="207"/>
+          <ac:spMkLst>
+            <pc:docMk/>
+            <pc:sldMk cId="3762785988" sldId="272"/>
+            <ac:spMk id="4" creationId="{5B80C978-BB95-43AD-B9B3-5741E203CF2A}"/>
+          </ac:spMkLst>
+        </pc:spChg>
+        <pc:spChg chg="mod">
+          <ac:chgData name="Guerrero, Francisco J" userId="6932753a-0454-4599-8934-90d573510db2" providerId="ADAL" clId="{F01A4BA6-7C3C-44D9-BE26-416D14780CDE}" dt="2022-09-06T22:23:16.315" v="28" actId="207"/>
+          <ac:spMkLst>
+            <pc:docMk/>
+            <pc:sldMk cId="3762785988" sldId="272"/>
+            <ac:spMk id="8" creationId="{EE2D5E5E-66B2-42C1-97C4-CF58B2BAC627}"/>
+          </ac:spMkLst>
+        </pc:spChg>
+      </pc:sldChg>
+      <pc:sldChg chg="new">
+        <pc:chgData name="Guerrero, Francisco J" userId="6932753a-0454-4599-8934-90d573510db2" providerId="ADAL" clId="{F01A4BA6-7C3C-44D9-BE26-416D14780CDE}" dt="2022-09-06T23:25:15.342" v="33" actId="680"/>
+        <pc:sldMkLst>
+          <pc:docMk/>
+          <pc:sldMk cId="636356883" sldId="273"/>
+        </pc:sldMkLst>
+      </pc:sldChg>
+      <pc:sldChg chg="addSp delSp modSp new mod">
+        <pc:chgData name="Guerrero, Francisco J" userId="6932753a-0454-4599-8934-90d573510db2" providerId="ADAL" clId="{F01A4BA6-7C3C-44D9-BE26-416D14780CDE}" dt="2022-09-06T23:29:57.636" v="54" actId="207"/>
+        <pc:sldMkLst>
+          <pc:docMk/>
+          <pc:sldMk cId="2108149613" sldId="274"/>
+        </pc:sldMkLst>
+        <pc:spChg chg="add del mod">
+          <ac:chgData name="Guerrero, Francisco J" userId="6932753a-0454-4599-8934-90d573510db2" providerId="ADAL" clId="{F01A4BA6-7C3C-44D9-BE26-416D14780CDE}" dt="2022-09-06T23:27:55.366" v="38"/>
+          <ac:spMkLst>
+            <pc:docMk/>
+            <pc:sldMk cId="2108149613" sldId="274"/>
+            <ac:spMk id="2" creationId="{00AFF777-FC3B-4A27-BCFC-D077B031E586}"/>
+          </ac:spMkLst>
+        </pc:spChg>
+        <pc:spChg chg="add del">
+          <ac:chgData name="Guerrero, Francisco J" userId="6932753a-0454-4599-8934-90d573510db2" providerId="ADAL" clId="{F01A4BA6-7C3C-44D9-BE26-416D14780CDE}" dt="2022-09-06T23:27:55.366" v="38"/>
+          <ac:spMkLst>
+            <pc:docMk/>
+            <pc:sldMk cId="2108149613" sldId="274"/>
+            <ac:spMk id="3" creationId="{03C9E997-2A2D-4A06-A86D-90A7DEFC4EB8}"/>
+          </ac:spMkLst>
+        </pc:spChg>
+        <pc:spChg chg="mod">
+          <ac:chgData name="Guerrero, Francisco J" userId="6932753a-0454-4599-8934-90d573510db2" providerId="ADAL" clId="{F01A4BA6-7C3C-44D9-BE26-416D14780CDE}" dt="2022-09-06T23:29:31.735" v="51" actId="2085"/>
+          <ac:spMkLst>
+            <pc:docMk/>
+            <pc:sldMk cId="2108149613" sldId="274"/>
+            <ac:spMk id="4" creationId="{1A21585F-917B-432C-8176-FBBE1601F6B0}"/>
+          </ac:spMkLst>
+        </pc:spChg>
+        <pc:spChg chg="add del mod">
+          <ac:chgData name="Guerrero, Francisco J" userId="6932753a-0454-4599-8934-90d573510db2" providerId="ADAL" clId="{F01A4BA6-7C3C-44D9-BE26-416D14780CDE}" dt="2022-09-06T23:28:06.773" v="43" actId="478"/>
+          <ac:spMkLst>
+            <pc:docMk/>
+            <pc:sldMk cId="2108149613" sldId="274"/>
+            <ac:spMk id="5" creationId="{7218AA2F-F31A-4014-B568-7386B0B8E426}"/>
+          </ac:spMkLst>
+        </pc:spChg>
+        <pc:spChg chg="add del mod">
+          <ac:chgData name="Guerrero, Francisco J" userId="6932753a-0454-4599-8934-90d573510db2" providerId="ADAL" clId="{F01A4BA6-7C3C-44D9-BE26-416D14780CDE}" dt="2022-09-06T23:28:42.540" v="45"/>
+          <ac:spMkLst>
+            <pc:docMk/>
+            <pc:sldMk cId="2108149613" sldId="274"/>
+            <ac:spMk id="6" creationId="{127F201B-DBDC-4F19-B2ED-0D79E9961270}"/>
+          </ac:spMkLst>
+        </pc:spChg>
+        <pc:spChg chg="add del">
+          <ac:chgData name="Guerrero, Francisco J" userId="6932753a-0454-4599-8934-90d573510db2" providerId="ADAL" clId="{F01A4BA6-7C3C-44D9-BE26-416D14780CDE}" dt="2022-09-06T23:28:42.540" v="45"/>
+          <ac:spMkLst>
+            <pc:docMk/>
+            <pc:sldMk cId="2108149613" sldId="274"/>
+            <ac:spMk id="7" creationId="{35C98B75-6639-41A8-B044-F92E7906BD6E}"/>
+          </ac:spMkLst>
+        </pc:spChg>
+        <pc:spChg chg="del mod">
+          <ac:chgData name="Guerrero, Francisco J" userId="6932753a-0454-4599-8934-90d573510db2" providerId="ADAL" clId="{F01A4BA6-7C3C-44D9-BE26-416D14780CDE}" dt="2022-09-06T23:28:50.345" v="48" actId="478"/>
+          <ac:spMkLst>
+            <pc:docMk/>
+            <pc:sldMk cId="2108149613" sldId="274"/>
+            <ac:spMk id="8" creationId="{8465C025-A06B-4F02-A2B9-B071FA244C47}"/>
+          </ac:spMkLst>
+        </pc:spChg>
+        <pc:spChg chg="mod">
+          <ac:chgData name="Guerrero, Francisco J" userId="6932753a-0454-4599-8934-90d573510db2" providerId="ADAL" clId="{F01A4BA6-7C3C-44D9-BE26-416D14780CDE}" dt="2022-09-06T23:29:57.636" v="54" actId="207"/>
+          <ac:spMkLst>
+            <pc:docMk/>
+            <pc:sldMk cId="2108149613" sldId="274"/>
+            <ac:spMk id="9" creationId="{FDCA8402-94BB-49C6-BD0F-1985FB19059E}"/>
+          </ac:spMkLst>
+        </pc:spChg>
+        <pc:spChg chg="del mod">
+          <ac:chgData name="Guerrero, Francisco J" userId="6932753a-0454-4599-8934-90d573510db2" providerId="ADAL" clId="{F01A4BA6-7C3C-44D9-BE26-416D14780CDE}" dt="2022-09-06T23:28:46.875" v="47" actId="478"/>
+          <ac:spMkLst>
+            <pc:docMk/>
+            <pc:sldMk cId="2108149613" sldId="274"/>
+            <ac:spMk id="10" creationId="{6C67712A-3FF3-47ED-A09D-27F8F04F2902}"/>
+          </ac:spMkLst>
+        </pc:spChg>
+        <pc:spChg chg="del mod">
+          <ac:chgData name="Guerrero, Francisco J" userId="6932753a-0454-4599-8934-90d573510db2" providerId="ADAL" clId="{F01A4BA6-7C3C-44D9-BE26-416D14780CDE}" dt="2022-09-06T23:28:45.912" v="46" actId="478"/>
+          <ac:spMkLst>
+            <pc:docMk/>
+            <pc:sldMk cId="2108149613" sldId="274"/>
+            <ac:spMk id="11" creationId="{A09023C9-7FCF-439A-8A56-D2F846ECD87F}"/>
+          </ac:spMkLst>
+        </pc:spChg>
+      </pc:sldChg>
+    </pc:docChg>
+  </pc:docChgLst>
+</pc:chgInfo>
 </file>
 
 <file path=ppt/slideLayouts/slideLayout1.xml><?xml version="1.0" encoding="utf-8"?>
@@ -245,7 +529,7 @@
           <a:p>
             <a:fld id="{F73E1B03-40AD-4841-BCA7-1CEAAD8F204E}" type="datetimeFigureOut">
               <a:rPr lang="en-US" smtClean="0"/>
-              <a:t>8/29/2022</a:t>
+              <a:t>9/6/2022</a:t>
             </a:fld>
             <a:endParaRPr lang="en-US"/>
           </a:p>
@@ -415,7 +699,7 @@
           <a:p>
             <a:fld id="{F73E1B03-40AD-4841-BCA7-1CEAAD8F204E}" type="datetimeFigureOut">
               <a:rPr lang="en-US" smtClean="0"/>
-              <a:t>8/29/2022</a:t>
+              <a:t>9/6/2022</a:t>
             </a:fld>
             <a:endParaRPr lang="en-US"/>
           </a:p>
@@ -595,7 +879,7 @@
           <a:p>
             <a:fld id="{F73E1B03-40AD-4841-BCA7-1CEAAD8F204E}" type="datetimeFigureOut">
               <a:rPr lang="en-US" smtClean="0"/>
-              <a:t>8/29/2022</a:t>
+              <a:t>9/6/2022</a:t>
             </a:fld>
             <a:endParaRPr lang="en-US"/>
           </a:p>
@@ -765,7 +1049,7 @@
           <a:p>
             <a:fld id="{F73E1B03-40AD-4841-BCA7-1CEAAD8F204E}" type="datetimeFigureOut">
               <a:rPr lang="en-US" smtClean="0"/>
-              <a:t>8/29/2022</a:t>
+              <a:t>9/6/2022</a:t>
             </a:fld>
             <a:endParaRPr lang="en-US"/>
           </a:p>
@@ -1009,7 +1293,7 @@
           <a:p>
             <a:fld id="{F73E1B03-40AD-4841-BCA7-1CEAAD8F204E}" type="datetimeFigureOut">
               <a:rPr lang="en-US" smtClean="0"/>
-              <a:t>8/29/2022</a:t>
+              <a:t>9/6/2022</a:t>
             </a:fld>
             <a:endParaRPr lang="en-US"/>
           </a:p>
@@ -1241,7 +1525,7 @@
           <a:p>
             <a:fld id="{F73E1B03-40AD-4841-BCA7-1CEAAD8F204E}" type="datetimeFigureOut">
               <a:rPr lang="en-US" smtClean="0"/>
-              <a:t>8/29/2022</a:t>
+              <a:t>9/6/2022</a:t>
             </a:fld>
             <a:endParaRPr lang="en-US"/>
           </a:p>
@@ -1608,7 +1892,7 @@
           <a:p>
             <a:fld id="{F73E1B03-40AD-4841-BCA7-1CEAAD8F204E}" type="datetimeFigureOut">
               <a:rPr lang="en-US" smtClean="0"/>
-              <a:t>8/29/2022</a:t>
+              <a:t>9/6/2022</a:t>
             </a:fld>
             <a:endParaRPr lang="en-US"/>
           </a:p>
@@ -1726,7 +2010,7 @@
           <a:p>
             <a:fld id="{F73E1B03-40AD-4841-BCA7-1CEAAD8F204E}" type="datetimeFigureOut">
               <a:rPr lang="en-US" smtClean="0"/>
-              <a:t>8/29/2022</a:t>
+              <a:t>9/6/2022</a:t>
             </a:fld>
             <a:endParaRPr lang="en-US"/>
           </a:p>
@@ -1821,7 +2105,7 @@
           <a:p>
             <a:fld id="{F73E1B03-40AD-4841-BCA7-1CEAAD8F204E}" type="datetimeFigureOut">
               <a:rPr lang="en-US" smtClean="0"/>
-              <a:t>8/29/2022</a:t>
+              <a:t>9/6/2022</a:t>
             </a:fld>
             <a:endParaRPr lang="en-US"/>
           </a:p>
@@ -2098,7 +2382,7 @@
           <a:p>
             <a:fld id="{F73E1B03-40AD-4841-BCA7-1CEAAD8F204E}" type="datetimeFigureOut">
               <a:rPr lang="en-US" smtClean="0"/>
-              <a:t>8/29/2022</a:t>
+              <a:t>9/6/2022</a:t>
             </a:fld>
             <a:endParaRPr lang="en-US"/>
           </a:p>
@@ -2355,7 +2639,7 @@
           <a:p>
             <a:fld id="{F73E1B03-40AD-4841-BCA7-1CEAAD8F204E}" type="datetimeFigureOut">
               <a:rPr lang="en-US" smtClean="0"/>
-              <a:t>8/29/2022</a:t>
+              <a:t>9/6/2022</a:t>
             </a:fld>
             <a:endParaRPr lang="en-US"/>
           </a:p>
@@ -2568,7 +2852,7 @@
           <a:p>
             <a:fld id="{F73E1B03-40AD-4841-BCA7-1CEAAD8F204E}" type="datetimeFigureOut">
               <a:rPr lang="en-US" smtClean="0"/>
-              <a:t>8/29/2022</a:t>
+              <a:t>9/6/2022</a:t>
             </a:fld>
             <a:endParaRPr lang="en-US"/>
           </a:p>
@@ -3058,7 +3342,7 @@
         </p:blipFill>
         <p:spPr>
           <a:xfrm>
-            <a:off x="775222" y="1654839"/>
+            <a:off x="775222" y="1563294"/>
             <a:ext cx="10351996" cy="5392572"/>
           </a:xfrm>
           <a:prstGeom prst="rect">
@@ -3080,6 +3364,426 @@
 </file>
 
 <file path=ppt/slides/slide2.xml><?xml version="1.0" encoding="utf-8"?>
+<p:sld xmlns:a="http://schemas.openxmlformats.org/drawingml/2006/main" xmlns:r="http://schemas.openxmlformats.org/officeDocument/2006/relationships" xmlns:p="http://schemas.openxmlformats.org/presentationml/2006/main">
+  <p:cSld>
+    <p:spTree>
+      <p:nvGrpSpPr>
+        <p:cNvPr id="1" name=""/>
+        <p:cNvGrpSpPr/>
+        <p:nvPr/>
+      </p:nvGrpSpPr>
+      <p:grpSpPr>
+        <a:xfrm>
+          <a:off x="0" y="0"/>
+          <a:ext cx="0" cy="0"/>
+          <a:chOff x="0" y="0"/>
+          <a:chExt cx="0" cy="0"/>
+        </a:xfrm>
+      </p:grpSpPr>
+      <p:sp>
+        <p:nvSpPr>
+          <p:cNvPr id="9" name="Freeform: Shape 8">
+            <a:extLst>
+              <a:ext uri="{FF2B5EF4-FFF2-40B4-BE49-F238E27FC236}">
+                <a16:creationId xmlns:a16="http://schemas.microsoft.com/office/drawing/2014/main" id="{FDCA8402-94BB-49C6-BD0F-1985FB19059E}"/>
+              </a:ext>
+            </a:extLst>
+          </p:cNvPr>
+          <p:cNvSpPr/>
+          <p:nvPr/>
+        </p:nvSpPr>
+        <p:spPr>
+          <a:xfrm>
+            <a:off x="1329847" y="3274400"/>
+            <a:ext cx="9532307" cy="2748172"/>
+          </a:xfrm>
+          <a:custGeom>
+            <a:avLst/>
+            <a:gdLst>
+              <a:gd name="connsiteX0" fmla="*/ 8536 w 9532307"/>
+              <a:gd name="connsiteY0" fmla="*/ 0 h 2748172"/>
+              <a:gd name="connsiteX1" fmla="*/ 35490 w 9532307"/>
+              <a:gd name="connsiteY1" fmla="*/ 19945 h 2748172"/>
+              <a:gd name="connsiteX2" fmla="*/ 2465539 w 9532307"/>
+              <a:gd name="connsiteY2" fmla="*/ 1209918 h 2748172"/>
+              <a:gd name="connsiteX3" fmla="*/ 9358781 w 9532307"/>
+              <a:gd name="connsiteY3" fmla="*/ 1329111 h 2748172"/>
+              <a:gd name="connsiteX4" fmla="*/ 9532307 w 9532307"/>
+              <a:gd name="connsiteY4" fmla="*/ 1327066 h 2748172"/>
+              <a:gd name="connsiteX5" fmla="*/ 9532307 w 9532307"/>
+              <a:gd name="connsiteY5" fmla="*/ 2688333 h 2748172"/>
+              <a:gd name="connsiteX6" fmla="*/ 9520207 w 9532307"/>
+              <a:gd name="connsiteY6" fmla="*/ 2689694 h 2748172"/>
+              <a:gd name="connsiteX7" fmla="*/ 3768247 w 9532307"/>
+              <a:gd name="connsiteY7" fmla="*/ 2449995 h 2748172"/>
+              <a:gd name="connsiteX8" fmla="*/ 336116 w 9532307"/>
+              <a:gd name="connsiteY8" fmla="*/ 934345 h 2748172"/>
+              <a:gd name="connsiteX9" fmla="*/ 82525 w 9532307"/>
+              <a:gd name="connsiteY9" fmla="*/ 802357 h 2748172"/>
+              <a:gd name="connsiteX10" fmla="*/ 0 w 9532307"/>
+              <a:gd name="connsiteY10" fmla="*/ 759440 h 2748172"/>
+              <a:gd name="connsiteX11" fmla="*/ 0 w 9532307"/>
+              <a:gd name="connsiteY11" fmla="*/ 84676 h 2748172"/>
+              <a:gd name="connsiteX12" fmla="*/ 8536 w 9532307"/>
+              <a:gd name="connsiteY12" fmla="*/ 0 h 2748172"/>
+            </a:gdLst>
+            <a:ahLst/>
+            <a:cxnLst>
+              <a:cxn ang="0">
+                <a:pos x="connsiteX0" y="connsiteY0"/>
+              </a:cxn>
+              <a:cxn ang="0">
+                <a:pos x="connsiteX1" y="connsiteY1"/>
+              </a:cxn>
+              <a:cxn ang="0">
+                <a:pos x="connsiteX2" y="connsiteY2"/>
+              </a:cxn>
+              <a:cxn ang="0">
+                <a:pos x="connsiteX3" y="connsiteY3"/>
+              </a:cxn>
+              <a:cxn ang="0">
+                <a:pos x="connsiteX4" y="connsiteY4"/>
+              </a:cxn>
+              <a:cxn ang="0">
+                <a:pos x="connsiteX5" y="connsiteY5"/>
+              </a:cxn>
+              <a:cxn ang="0">
+                <a:pos x="connsiteX6" y="connsiteY6"/>
+              </a:cxn>
+              <a:cxn ang="0">
+                <a:pos x="connsiteX7" y="connsiteY7"/>
+              </a:cxn>
+              <a:cxn ang="0">
+                <a:pos x="connsiteX8" y="connsiteY8"/>
+              </a:cxn>
+              <a:cxn ang="0">
+                <a:pos x="connsiteX9" y="connsiteY9"/>
+              </a:cxn>
+              <a:cxn ang="0">
+                <a:pos x="connsiteX10" y="connsiteY10"/>
+              </a:cxn>
+              <a:cxn ang="0">
+                <a:pos x="connsiteX11" y="connsiteY11"/>
+              </a:cxn>
+              <a:cxn ang="0">
+                <a:pos x="connsiteX12" y="connsiteY12"/>
+              </a:cxn>
+            </a:cxnLst>
+            <a:rect l="l" t="t" r="r" b="b"/>
+            <a:pathLst>
+              <a:path w="9532307" h="2748172">
+                <a:moveTo>
+                  <a:pt x="8536" y="0"/>
+                </a:moveTo>
+                <a:lnTo>
+                  <a:pt x="35490" y="19945"/>
+                </a:lnTo>
+                <a:cubicBezTo>
+                  <a:pt x="622125" y="433304"/>
+                  <a:pt x="807928" y="992800"/>
+                  <a:pt x="2465539" y="1209918"/>
+                </a:cubicBezTo>
+                <a:cubicBezTo>
+                  <a:pt x="3915949" y="1399896"/>
+                  <a:pt x="7602483" y="1350119"/>
+                  <a:pt x="9358781" y="1329111"/>
+                </a:cubicBezTo>
+                <a:lnTo>
+                  <a:pt x="9532307" y="1327066"/>
+                </a:lnTo>
+                <a:lnTo>
+                  <a:pt x="9532307" y="2688333"/>
+                </a:lnTo>
+                <a:lnTo>
+                  <a:pt x="9520207" y="2689694"/>
+                </a:lnTo>
+                <a:cubicBezTo>
+                  <a:pt x="8145338" y="2829154"/>
+                  <a:pt x="5211807" y="2707300"/>
+                  <a:pt x="3768247" y="2449995"/>
+                </a:cubicBezTo>
+                <a:cubicBezTo>
+                  <a:pt x="2175354" y="2166072"/>
+                  <a:pt x="1087678" y="1328915"/>
+                  <a:pt x="336116" y="934345"/>
+                </a:cubicBezTo>
+                <a:cubicBezTo>
+                  <a:pt x="242171" y="885024"/>
+                  <a:pt x="158109" y="841542"/>
+                  <a:pt x="82525" y="802357"/>
+                </a:cubicBezTo>
+                <a:lnTo>
+                  <a:pt x="0" y="759440"/>
+                </a:lnTo>
+                <a:lnTo>
+                  <a:pt x="0" y="84676"/>
+                </a:lnTo>
+                <a:lnTo>
+                  <a:pt x="8536" y="0"/>
+                </a:lnTo>
+                <a:close/>
+              </a:path>
+            </a:pathLst>
+          </a:custGeom>
+          <a:gradFill flip="none" rotWithShape="1">
+            <a:gsLst>
+              <a:gs pos="0">
+                <a:schemeClr val="accent5">
+                  <a:lumMod val="60000"/>
+                  <a:lumOff val="40000"/>
+                  <a:tint val="66000"/>
+                  <a:satMod val="160000"/>
+                </a:schemeClr>
+              </a:gs>
+              <a:gs pos="50000">
+                <a:schemeClr val="accent5">
+                  <a:lumMod val="60000"/>
+                  <a:lumOff val="40000"/>
+                  <a:tint val="44500"/>
+                  <a:satMod val="160000"/>
+                </a:schemeClr>
+              </a:gs>
+              <a:gs pos="100000">
+                <a:schemeClr val="accent5">
+                  <a:lumMod val="60000"/>
+                  <a:lumOff val="40000"/>
+                  <a:tint val="23500"/>
+                  <a:satMod val="160000"/>
+                </a:schemeClr>
+              </a:gs>
+            </a:gsLst>
+            <a:lin ang="5400000" scaled="1"/>
+            <a:tileRect/>
+          </a:gradFill>
+          <a:ln>
+            <a:noFill/>
+          </a:ln>
+        </p:spPr>
+        <p:style>
+          <a:lnRef idx="2">
+            <a:schemeClr val="accent1">
+              <a:shade val="50000"/>
+            </a:schemeClr>
+          </a:lnRef>
+          <a:fillRef idx="1">
+            <a:schemeClr val="accent1"/>
+          </a:fillRef>
+          <a:effectRef idx="0">
+            <a:schemeClr val="accent1"/>
+          </a:effectRef>
+          <a:fontRef idx="minor">
+            <a:schemeClr val="lt1"/>
+          </a:fontRef>
+        </p:style>
+        <p:txBody>
+          <a:bodyPr wrap="square" rtlCol="0" anchor="ctr">
+            <a:noAutofit/>
+          </a:bodyPr>
+          <a:lstStyle/>
+          <a:p>
+            <a:pPr algn="ctr"/>
+            <a:endParaRPr lang="en-US"/>
+          </a:p>
+        </p:txBody>
+      </p:sp>
+      <p:sp>
+        <p:nvSpPr>
+          <p:cNvPr id="4" name="Freeform: Shape 3">
+            <a:extLst>
+              <a:ext uri="{FF2B5EF4-FFF2-40B4-BE49-F238E27FC236}">
+                <a16:creationId xmlns:a16="http://schemas.microsoft.com/office/drawing/2014/main" id="{1A21585F-917B-432C-8176-FBBE1601F6B0}"/>
+              </a:ext>
+            </a:extLst>
+          </p:cNvPr>
+          <p:cNvSpPr/>
+          <p:nvPr/>
+        </p:nvSpPr>
+        <p:spPr>
+          <a:xfrm>
+            <a:off x="1329847" y="4033840"/>
+            <a:ext cx="9532307" cy="2592428"/>
+          </a:xfrm>
+          <a:custGeom>
+            <a:avLst/>
+            <a:gdLst>
+              <a:gd name="connsiteX0" fmla="*/ 0 w 9532307"/>
+              <a:gd name="connsiteY0" fmla="*/ 0 h 2592428"/>
+              <a:gd name="connsiteX1" fmla="*/ 82525 w 9532307"/>
+              <a:gd name="connsiteY1" fmla="*/ 42917 h 2592428"/>
+              <a:gd name="connsiteX2" fmla="*/ 336116 w 9532307"/>
+              <a:gd name="connsiteY2" fmla="*/ 174905 h 2592428"/>
+              <a:gd name="connsiteX3" fmla="*/ 3768247 w 9532307"/>
+              <a:gd name="connsiteY3" fmla="*/ 1690555 h 2592428"/>
+              <a:gd name="connsiteX4" fmla="*/ 9520207 w 9532307"/>
+              <a:gd name="connsiteY4" fmla="*/ 1930254 h 2592428"/>
+              <a:gd name="connsiteX5" fmla="*/ 9532307 w 9532307"/>
+              <a:gd name="connsiteY5" fmla="*/ 1928893 h 2592428"/>
+              <a:gd name="connsiteX6" fmla="*/ 9532307 w 9532307"/>
+              <a:gd name="connsiteY6" fmla="*/ 1938974 h 2592428"/>
+              <a:gd name="connsiteX7" fmla="*/ 8878853 w 9532307"/>
+              <a:gd name="connsiteY7" fmla="*/ 2592428 h 2592428"/>
+              <a:gd name="connsiteX8" fmla="*/ 653454 w 9532307"/>
+              <a:gd name="connsiteY8" fmla="*/ 2592428 h 2592428"/>
+              <a:gd name="connsiteX9" fmla="*/ 0 w 9532307"/>
+              <a:gd name="connsiteY9" fmla="*/ 1938974 h 2592428"/>
+              <a:gd name="connsiteX10" fmla="*/ 0 w 9532307"/>
+              <a:gd name="connsiteY10" fmla="*/ 0 h 2592428"/>
+            </a:gdLst>
+            <a:ahLst/>
+            <a:cxnLst>
+              <a:cxn ang="0">
+                <a:pos x="connsiteX0" y="connsiteY0"/>
+              </a:cxn>
+              <a:cxn ang="0">
+                <a:pos x="connsiteX1" y="connsiteY1"/>
+              </a:cxn>
+              <a:cxn ang="0">
+                <a:pos x="connsiteX2" y="connsiteY2"/>
+              </a:cxn>
+              <a:cxn ang="0">
+                <a:pos x="connsiteX3" y="connsiteY3"/>
+              </a:cxn>
+              <a:cxn ang="0">
+                <a:pos x="connsiteX4" y="connsiteY4"/>
+              </a:cxn>
+              <a:cxn ang="0">
+                <a:pos x="connsiteX5" y="connsiteY5"/>
+              </a:cxn>
+              <a:cxn ang="0">
+                <a:pos x="connsiteX6" y="connsiteY6"/>
+              </a:cxn>
+              <a:cxn ang="0">
+                <a:pos x="connsiteX7" y="connsiteY7"/>
+              </a:cxn>
+              <a:cxn ang="0">
+                <a:pos x="connsiteX8" y="connsiteY8"/>
+              </a:cxn>
+              <a:cxn ang="0">
+                <a:pos x="connsiteX9" y="connsiteY9"/>
+              </a:cxn>
+              <a:cxn ang="0">
+                <a:pos x="connsiteX10" y="connsiteY10"/>
+              </a:cxn>
+            </a:cxnLst>
+            <a:rect l="l" t="t" r="r" b="b"/>
+            <a:pathLst>
+              <a:path w="9532307" h="2592428">
+                <a:moveTo>
+                  <a:pt x="0" y="0"/>
+                </a:moveTo>
+                <a:lnTo>
+                  <a:pt x="82525" y="42917"/>
+                </a:lnTo>
+                <a:cubicBezTo>
+                  <a:pt x="158109" y="82102"/>
+                  <a:pt x="242171" y="125584"/>
+                  <a:pt x="336116" y="174905"/>
+                </a:cubicBezTo>
+                <a:cubicBezTo>
+                  <a:pt x="1087678" y="569475"/>
+                  <a:pt x="2175354" y="1406632"/>
+                  <a:pt x="3768247" y="1690555"/>
+                </a:cubicBezTo>
+                <a:cubicBezTo>
+                  <a:pt x="5211807" y="1947860"/>
+                  <a:pt x="8145338" y="2069714"/>
+                  <a:pt x="9520207" y="1930254"/>
+                </a:cubicBezTo>
+                <a:lnTo>
+                  <a:pt x="9532307" y="1928893"/>
+                </a:lnTo>
+                <a:lnTo>
+                  <a:pt x="9532307" y="1938974"/>
+                </a:lnTo>
+                <a:cubicBezTo>
+                  <a:pt x="9532307" y="2299867"/>
+                  <a:pt x="9239746" y="2592428"/>
+                  <a:pt x="8878853" y="2592428"/>
+                </a:cubicBezTo>
+                <a:lnTo>
+                  <a:pt x="653454" y="2592428"/>
+                </a:lnTo>
+                <a:cubicBezTo>
+                  <a:pt x="292561" y="2592428"/>
+                  <a:pt x="0" y="2299867"/>
+                  <a:pt x="0" y="1938974"/>
+                </a:cubicBezTo>
+                <a:lnTo>
+                  <a:pt x="0" y="0"/>
+                </a:lnTo>
+                <a:close/>
+              </a:path>
+            </a:pathLst>
+          </a:custGeom>
+          <a:gradFill flip="none" rotWithShape="1">
+            <a:gsLst>
+              <a:gs pos="0">
+                <a:srgbClr val="B2B2B2">
+                  <a:tint val="66000"/>
+                  <a:satMod val="160000"/>
+                </a:srgbClr>
+              </a:gs>
+              <a:gs pos="50000">
+                <a:srgbClr val="B2B2B2">
+                  <a:tint val="44500"/>
+                  <a:satMod val="160000"/>
+                </a:srgbClr>
+              </a:gs>
+              <a:gs pos="100000">
+                <a:srgbClr val="B2B2B2">
+                  <a:tint val="23500"/>
+                  <a:satMod val="160000"/>
+                </a:srgbClr>
+              </a:gs>
+            </a:gsLst>
+            <a:lin ang="5400000" scaled="1"/>
+            <a:tileRect/>
+          </a:gradFill>
+          <a:ln>
+            <a:noFill/>
+          </a:ln>
+        </p:spPr>
+        <p:style>
+          <a:lnRef idx="2">
+            <a:schemeClr val="accent1">
+              <a:shade val="50000"/>
+            </a:schemeClr>
+          </a:lnRef>
+          <a:fillRef idx="1">
+            <a:schemeClr val="accent1"/>
+          </a:fillRef>
+          <a:effectRef idx="0">
+            <a:schemeClr val="accent1"/>
+          </a:effectRef>
+          <a:fontRef idx="minor">
+            <a:schemeClr val="lt1"/>
+          </a:fontRef>
+        </p:style>
+        <p:txBody>
+          <a:bodyPr wrap="square" rtlCol="0" anchor="ctr">
+            <a:noAutofit/>
+          </a:bodyPr>
+          <a:lstStyle/>
+          <a:p>
+            <a:pPr algn="ctr"/>
+            <a:endParaRPr lang="en-US"/>
+          </a:p>
+        </p:txBody>
+      </p:sp>
+    </p:spTree>
+    <p:extLst>
+      <p:ext uri="{BB962C8B-B14F-4D97-AF65-F5344CB8AC3E}">
+        <p14:creationId xmlns:p14="http://schemas.microsoft.com/office/powerpoint/2010/main" val="2108149613"/>
+      </p:ext>
+    </p:extLst>
+  </p:cSld>
+  <p:clrMapOvr>
+    <a:masterClrMapping/>
+  </p:clrMapOvr>
+</p:sld>
+</file>
+
+<file path=ppt/slides/slide3.xml><?xml version="1.0" encoding="utf-8"?>
 <p:sld xmlns:a="http://schemas.openxmlformats.org/drawingml/2006/main" xmlns:r="http://schemas.openxmlformats.org/officeDocument/2006/relationships" xmlns:p="http://schemas.openxmlformats.org/presentationml/2006/main">
   <p:cSld>
     <p:spTree>
@@ -3237,7 +3941,7 @@
         </p:nvSpPr>
         <p:spPr>
           <a:xfrm>
-            <a:off x="1634066" y="1185333"/>
+            <a:off x="1634066" y="1172807"/>
             <a:ext cx="9050482" cy="2777298"/>
           </a:xfrm>
           <a:custGeom>
@@ -3411,7 +4115,1521 @@
 </p:sld>
 </file>
 
-<file path=ppt/slides/slide3.xml><?xml version="1.0" encoding="utf-8"?>
+<file path=ppt/slides/slide4.xml><?xml version="1.0" encoding="utf-8"?>
+<p:sld xmlns:a="http://schemas.openxmlformats.org/drawingml/2006/main" xmlns:r="http://schemas.openxmlformats.org/officeDocument/2006/relationships" xmlns:p="http://schemas.openxmlformats.org/presentationml/2006/main">
+  <p:cSld>
+    <p:spTree>
+      <p:nvGrpSpPr>
+        <p:cNvPr id="1" name=""/>
+        <p:cNvGrpSpPr/>
+        <p:nvPr/>
+      </p:nvGrpSpPr>
+      <p:grpSpPr>
+        <a:xfrm>
+          <a:off x="0" y="0"/>
+          <a:ext cx="0" cy="0"/>
+          <a:chOff x="0" y="0"/>
+          <a:chExt cx="0" cy="0"/>
+        </a:xfrm>
+      </p:grpSpPr>
+      <p:sp>
+        <p:nvSpPr>
+          <p:cNvPr id="2" name="Rectangle 1">
+            <a:extLst>
+              <a:ext uri="{FF2B5EF4-FFF2-40B4-BE49-F238E27FC236}">
+                <a16:creationId xmlns:a16="http://schemas.microsoft.com/office/drawing/2014/main" id="{1C291641-5F05-4974-A983-D461ECF69FCF}"/>
+              </a:ext>
+            </a:extLst>
+          </p:cNvPr>
+          <p:cNvSpPr/>
+          <p:nvPr/>
+        </p:nvSpPr>
+        <p:spPr>
+          <a:xfrm>
+            <a:off x="851770" y="2242159"/>
+            <a:ext cx="9958192" cy="4158641"/>
+          </a:xfrm>
+          <a:prstGeom prst="rect">
+            <a:avLst/>
+          </a:prstGeom>
+        </p:spPr>
+        <p:style>
+          <a:lnRef idx="2">
+            <a:schemeClr val="accent1">
+              <a:shade val="50000"/>
+            </a:schemeClr>
+          </a:lnRef>
+          <a:fillRef idx="1">
+            <a:schemeClr val="accent1"/>
+          </a:fillRef>
+          <a:effectRef idx="0">
+            <a:schemeClr val="accent1"/>
+          </a:effectRef>
+          <a:fontRef idx="minor">
+            <a:schemeClr val="lt1"/>
+          </a:fontRef>
+        </p:style>
+        <p:txBody>
+          <a:bodyPr rtlCol="0" anchor="ctr"/>
+          <a:lstStyle/>
+          <a:p>
+            <a:pPr algn="ctr"/>
+            <a:endParaRPr lang="en-US"/>
+          </a:p>
+        </p:txBody>
+      </p:sp>
+      <p:sp>
+        <p:nvSpPr>
+          <p:cNvPr id="3" name="Freeform: Shape 2">
+            <a:extLst>
+              <a:ext uri="{FF2B5EF4-FFF2-40B4-BE49-F238E27FC236}">
+                <a16:creationId xmlns:a16="http://schemas.microsoft.com/office/drawing/2014/main" id="{A0F45CD5-3656-4624-ADC0-3BBA751A7B7E}"/>
+              </a:ext>
+            </a:extLst>
+          </p:cNvPr>
+          <p:cNvSpPr/>
+          <p:nvPr/>
+        </p:nvSpPr>
+        <p:spPr>
+          <a:xfrm>
+            <a:off x="69643" y="897154"/>
+            <a:ext cx="12659830" cy="5239799"/>
+          </a:xfrm>
+          <a:custGeom>
+            <a:avLst/>
+            <a:gdLst>
+              <a:gd name="connsiteX0" fmla="*/ 243509 w 11954093"/>
+              <a:gd name="connsiteY0" fmla="*/ 1795941 h 5455790"/>
+              <a:gd name="connsiteX1" fmla="*/ 2986709 w 11954093"/>
+              <a:gd name="connsiteY1" fmla="*/ 3624741 h 5455790"/>
+              <a:gd name="connsiteX2" fmla="*/ 5817591 w 11954093"/>
+              <a:gd name="connsiteY2" fmla="*/ 4965026 h 5455790"/>
+              <a:gd name="connsiteX3" fmla="*/ 11078522 w 11954093"/>
+              <a:gd name="connsiteY3" fmla="*/ 5253124 h 5455790"/>
+              <a:gd name="connsiteX4" fmla="*/ 11830084 w 11954093"/>
+              <a:gd name="connsiteY4" fmla="*/ 2058987 h 5455790"/>
+              <a:gd name="connsiteX5" fmla="*/ 11266413 w 11954093"/>
+              <a:gd name="connsiteY5" fmla="*/ 242713 h 5455790"/>
+              <a:gd name="connsiteX6" fmla="*/ 5542018 w 11954093"/>
+              <a:gd name="connsiteY6" fmla="*/ 17245 h 5455790"/>
+              <a:gd name="connsiteX7" fmla="*/ 732024 w 11954093"/>
+              <a:gd name="connsiteY7" fmla="*/ 217661 h 5455790"/>
+              <a:gd name="connsiteX8" fmla="*/ 243509 w 11954093"/>
+              <a:gd name="connsiteY8" fmla="*/ 1795941 h 5455790"/>
+              <a:gd name="connsiteX0" fmla="*/ 243509 w 11954093"/>
+              <a:gd name="connsiteY0" fmla="*/ 1795941 h 5454204"/>
+              <a:gd name="connsiteX1" fmla="*/ 2986709 w 11954093"/>
+              <a:gd name="connsiteY1" fmla="*/ 3674845 h 5454204"/>
+              <a:gd name="connsiteX2" fmla="*/ 5817591 w 11954093"/>
+              <a:gd name="connsiteY2" fmla="*/ 4965026 h 5454204"/>
+              <a:gd name="connsiteX3" fmla="*/ 11078522 w 11954093"/>
+              <a:gd name="connsiteY3" fmla="*/ 5253124 h 5454204"/>
+              <a:gd name="connsiteX4" fmla="*/ 11830084 w 11954093"/>
+              <a:gd name="connsiteY4" fmla="*/ 2058987 h 5454204"/>
+              <a:gd name="connsiteX5" fmla="*/ 11266413 w 11954093"/>
+              <a:gd name="connsiteY5" fmla="*/ 242713 h 5454204"/>
+              <a:gd name="connsiteX6" fmla="*/ 5542018 w 11954093"/>
+              <a:gd name="connsiteY6" fmla="*/ 17245 h 5454204"/>
+              <a:gd name="connsiteX7" fmla="*/ 732024 w 11954093"/>
+              <a:gd name="connsiteY7" fmla="*/ 217661 h 5454204"/>
+              <a:gd name="connsiteX8" fmla="*/ 243509 w 11954093"/>
+              <a:gd name="connsiteY8" fmla="*/ 1795941 h 5454204"/>
+              <a:gd name="connsiteX0" fmla="*/ 243509 w 12659830"/>
+              <a:gd name="connsiteY0" fmla="*/ 1795941 h 5219573"/>
+              <a:gd name="connsiteX1" fmla="*/ 2986709 w 12659830"/>
+              <a:gd name="connsiteY1" fmla="*/ 3674845 h 5219573"/>
+              <a:gd name="connsiteX2" fmla="*/ 5817591 w 12659830"/>
+              <a:gd name="connsiteY2" fmla="*/ 4965026 h 5219573"/>
+              <a:gd name="connsiteX3" fmla="*/ 12281021 w 12659830"/>
+              <a:gd name="connsiteY3" fmla="*/ 4939974 h 5219573"/>
+              <a:gd name="connsiteX4" fmla="*/ 11830084 w 12659830"/>
+              <a:gd name="connsiteY4" fmla="*/ 2058987 h 5219573"/>
+              <a:gd name="connsiteX5" fmla="*/ 11266413 w 12659830"/>
+              <a:gd name="connsiteY5" fmla="*/ 242713 h 5219573"/>
+              <a:gd name="connsiteX6" fmla="*/ 5542018 w 12659830"/>
+              <a:gd name="connsiteY6" fmla="*/ 17245 h 5219573"/>
+              <a:gd name="connsiteX7" fmla="*/ 732024 w 12659830"/>
+              <a:gd name="connsiteY7" fmla="*/ 217661 h 5219573"/>
+              <a:gd name="connsiteX8" fmla="*/ 243509 w 12659830"/>
+              <a:gd name="connsiteY8" fmla="*/ 1795941 h 5219573"/>
+              <a:gd name="connsiteX0" fmla="*/ 243509 w 12659830"/>
+              <a:gd name="connsiteY0" fmla="*/ 1795941 h 5239799"/>
+              <a:gd name="connsiteX1" fmla="*/ 2986709 w 12659830"/>
+              <a:gd name="connsiteY1" fmla="*/ 3674845 h 5239799"/>
+              <a:gd name="connsiteX2" fmla="*/ 5817591 w 12659830"/>
+              <a:gd name="connsiteY2" fmla="*/ 4965026 h 5239799"/>
+              <a:gd name="connsiteX3" fmla="*/ 12281021 w 12659830"/>
+              <a:gd name="connsiteY3" fmla="*/ 4939974 h 5239799"/>
+              <a:gd name="connsiteX4" fmla="*/ 11830084 w 12659830"/>
+              <a:gd name="connsiteY4" fmla="*/ 2058987 h 5239799"/>
+              <a:gd name="connsiteX5" fmla="*/ 11266413 w 12659830"/>
+              <a:gd name="connsiteY5" fmla="*/ 242713 h 5239799"/>
+              <a:gd name="connsiteX6" fmla="*/ 5542018 w 12659830"/>
+              <a:gd name="connsiteY6" fmla="*/ 17245 h 5239799"/>
+              <a:gd name="connsiteX7" fmla="*/ 732024 w 12659830"/>
+              <a:gd name="connsiteY7" fmla="*/ 217661 h 5239799"/>
+              <a:gd name="connsiteX8" fmla="*/ 243509 w 12659830"/>
+              <a:gd name="connsiteY8" fmla="*/ 1795941 h 5239799"/>
+            </a:gdLst>
+            <a:ahLst/>
+            <a:cxnLst>
+              <a:cxn ang="0">
+                <a:pos x="connsiteX0" y="connsiteY0"/>
+              </a:cxn>
+              <a:cxn ang="0">
+                <a:pos x="connsiteX1" y="connsiteY1"/>
+              </a:cxn>
+              <a:cxn ang="0">
+                <a:pos x="connsiteX2" y="connsiteY2"/>
+              </a:cxn>
+              <a:cxn ang="0">
+                <a:pos x="connsiteX3" y="connsiteY3"/>
+              </a:cxn>
+              <a:cxn ang="0">
+                <a:pos x="connsiteX4" y="connsiteY4"/>
+              </a:cxn>
+              <a:cxn ang="0">
+                <a:pos x="connsiteX5" y="connsiteY5"/>
+              </a:cxn>
+              <a:cxn ang="0">
+                <a:pos x="connsiteX6" y="connsiteY6"/>
+              </a:cxn>
+              <a:cxn ang="0">
+                <a:pos x="connsiteX7" y="connsiteY7"/>
+              </a:cxn>
+              <a:cxn ang="0">
+                <a:pos x="connsiteX8" y="connsiteY8"/>
+              </a:cxn>
+            </a:cxnLst>
+            <a:rect l="l" t="t" r="r" b="b"/>
+            <a:pathLst>
+              <a:path w="12659830" h="5239799">
+                <a:moveTo>
+                  <a:pt x="243509" y="1795941"/>
+                </a:moveTo>
+                <a:cubicBezTo>
+                  <a:pt x="619290" y="2372138"/>
+                  <a:pt x="2057695" y="3146664"/>
+                  <a:pt x="2986709" y="3674845"/>
+                </a:cubicBezTo>
+                <a:cubicBezTo>
+                  <a:pt x="3915723" y="4203026"/>
+                  <a:pt x="4594215" y="4691541"/>
+                  <a:pt x="5817591" y="4965026"/>
+                </a:cubicBezTo>
+                <a:cubicBezTo>
+                  <a:pt x="7040967" y="5238511"/>
+                  <a:pt x="11278939" y="5424314"/>
+                  <a:pt x="12281021" y="4939974"/>
+                </a:cubicBezTo>
+                <a:cubicBezTo>
+                  <a:pt x="13283103" y="4455634"/>
+                  <a:pt x="11999185" y="2841864"/>
+                  <a:pt x="11830084" y="2058987"/>
+                </a:cubicBezTo>
+                <a:cubicBezTo>
+                  <a:pt x="11660983" y="1276110"/>
+                  <a:pt x="12314424" y="583003"/>
+                  <a:pt x="11266413" y="242713"/>
+                </a:cubicBezTo>
+                <a:cubicBezTo>
+                  <a:pt x="10218402" y="-97577"/>
+                  <a:pt x="7297750" y="21420"/>
+                  <a:pt x="5542018" y="17245"/>
+                </a:cubicBezTo>
+                <a:cubicBezTo>
+                  <a:pt x="3786287" y="13070"/>
+                  <a:pt x="1610934" y="-80876"/>
+                  <a:pt x="732024" y="217661"/>
+                </a:cubicBezTo>
+                <a:cubicBezTo>
+                  <a:pt x="-146886" y="516198"/>
+                  <a:pt x="-132272" y="1219744"/>
+                  <a:pt x="243509" y="1795941"/>
+                </a:cubicBezTo>
+                <a:close/>
+              </a:path>
+            </a:pathLst>
+          </a:custGeom>
+        </p:spPr>
+        <p:style>
+          <a:lnRef idx="2">
+            <a:schemeClr val="accent1">
+              <a:shade val="50000"/>
+            </a:schemeClr>
+          </a:lnRef>
+          <a:fillRef idx="1">
+            <a:schemeClr val="accent1"/>
+          </a:fillRef>
+          <a:effectRef idx="0">
+            <a:schemeClr val="accent1"/>
+          </a:effectRef>
+          <a:fontRef idx="minor">
+            <a:schemeClr val="lt1"/>
+          </a:fontRef>
+        </p:style>
+        <p:txBody>
+          <a:bodyPr rtlCol="0" anchor="ctr"/>
+          <a:lstStyle/>
+          <a:p>
+            <a:pPr algn="ctr"/>
+            <a:endParaRPr lang="en-US"/>
+          </a:p>
+        </p:txBody>
+      </p:sp>
+    </p:spTree>
+    <p:extLst>
+      <p:ext uri="{BB962C8B-B14F-4D97-AF65-F5344CB8AC3E}">
+        <p14:creationId xmlns:p14="http://schemas.microsoft.com/office/powerpoint/2010/main" val="63910260"/>
+      </p:ext>
+    </p:extLst>
+  </p:cSld>
+  <p:clrMapOvr>
+    <a:masterClrMapping/>
+  </p:clrMapOvr>
+</p:sld>
+</file>
+
+<file path=ppt/slides/slide5.xml><?xml version="1.0" encoding="utf-8"?>
+<p:sld xmlns:a="http://schemas.openxmlformats.org/drawingml/2006/main" xmlns:r="http://schemas.openxmlformats.org/officeDocument/2006/relationships" xmlns:p="http://schemas.openxmlformats.org/presentationml/2006/main">
+  <p:cSld>
+    <p:spTree>
+      <p:nvGrpSpPr>
+        <p:cNvPr id="1" name=""/>
+        <p:cNvGrpSpPr/>
+        <p:nvPr/>
+      </p:nvGrpSpPr>
+      <p:grpSpPr>
+        <a:xfrm>
+          <a:off x="0" y="0"/>
+          <a:ext cx="0" cy="0"/>
+          <a:chOff x="0" y="0"/>
+          <a:chExt cx="0" cy="0"/>
+        </a:xfrm>
+      </p:grpSpPr>
+      <p:sp>
+        <p:nvSpPr>
+          <p:cNvPr id="6" name="Freeform: Shape 5">
+            <a:extLst>
+              <a:ext uri="{FF2B5EF4-FFF2-40B4-BE49-F238E27FC236}">
+                <a16:creationId xmlns:a16="http://schemas.microsoft.com/office/drawing/2014/main" id="{8D0CD01C-278C-4C33-B769-5C2FA9DBF3FC}"/>
+              </a:ext>
+            </a:extLst>
+          </p:cNvPr>
+          <p:cNvSpPr/>
+          <p:nvPr/>
+        </p:nvSpPr>
+        <p:spPr>
+          <a:xfrm>
+            <a:off x="851770" y="2242159"/>
+            <a:ext cx="9958192" cy="3894794"/>
+          </a:xfrm>
+          <a:custGeom>
+            <a:avLst/>
+            <a:gdLst>
+              <a:gd name="connsiteX0" fmla="*/ 0 w 9958192"/>
+              <a:gd name="connsiteY0" fmla="*/ 0 h 3894794"/>
+              <a:gd name="connsiteX1" fmla="*/ 9958192 w 9958192"/>
+              <a:gd name="connsiteY1" fmla="*/ 0 h 3894794"/>
+              <a:gd name="connsiteX2" fmla="*/ 9958192 w 9958192"/>
+              <a:gd name="connsiteY2" fmla="*/ 3861417 h 3894794"/>
+              <a:gd name="connsiteX3" fmla="*/ 9802177 w 9958192"/>
+              <a:gd name="connsiteY3" fmla="*/ 3870482 h 3894794"/>
+              <a:gd name="connsiteX4" fmla="*/ 5035464 w 9958192"/>
+              <a:gd name="connsiteY4" fmla="*/ 3620021 h 3894794"/>
+              <a:gd name="connsiteX5" fmla="*/ 2204582 w 9958192"/>
+              <a:gd name="connsiteY5" fmla="*/ 2329840 h 3894794"/>
+              <a:gd name="connsiteX6" fmla="*/ 77018 w 9958192"/>
+              <a:gd name="connsiteY6" fmla="*/ 1035655 h 3894794"/>
+              <a:gd name="connsiteX7" fmla="*/ 0 w 9958192"/>
+              <a:gd name="connsiteY7" fmla="*/ 976443 h 3894794"/>
+              <a:gd name="connsiteX8" fmla="*/ 0 w 9958192"/>
+              <a:gd name="connsiteY8" fmla="*/ 0 h 3894794"/>
+            </a:gdLst>
+            <a:ahLst/>
+            <a:cxnLst>
+              <a:cxn ang="0">
+                <a:pos x="connsiteX0" y="connsiteY0"/>
+              </a:cxn>
+              <a:cxn ang="0">
+                <a:pos x="connsiteX1" y="connsiteY1"/>
+              </a:cxn>
+              <a:cxn ang="0">
+                <a:pos x="connsiteX2" y="connsiteY2"/>
+              </a:cxn>
+              <a:cxn ang="0">
+                <a:pos x="connsiteX3" y="connsiteY3"/>
+              </a:cxn>
+              <a:cxn ang="0">
+                <a:pos x="connsiteX4" y="connsiteY4"/>
+              </a:cxn>
+              <a:cxn ang="0">
+                <a:pos x="connsiteX5" y="connsiteY5"/>
+              </a:cxn>
+              <a:cxn ang="0">
+                <a:pos x="connsiteX6" y="connsiteY6"/>
+              </a:cxn>
+              <a:cxn ang="0">
+                <a:pos x="connsiteX7" y="connsiteY7"/>
+              </a:cxn>
+              <a:cxn ang="0">
+                <a:pos x="connsiteX8" y="connsiteY8"/>
+              </a:cxn>
+            </a:cxnLst>
+            <a:rect l="l" t="t" r="r" b="b"/>
+            <a:pathLst>
+              <a:path w="9958192" h="3894794">
+                <a:moveTo>
+                  <a:pt x="0" y="0"/>
+                </a:moveTo>
+                <a:lnTo>
+                  <a:pt x="9958192" y="0"/>
+                </a:lnTo>
+                <a:lnTo>
+                  <a:pt x="9958192" y="3861417"/>
+                </a:lnTo>
+                <a:lnTo>
+                  <a:pt x="9802177" y="3870482"/>
+                </a:lnTo>
+                <a:cubicBezTo>
+                  <a:pt x="8142474" y="3954620"/>
+                  <a:pt x="5876535" y="3808042"/>
+                  <a:pt x="5035464" y="3620021"/>
+                </a:cubicBezTo>
+                <a:cubicBezTo>
+                  <a:pt x="3812088" y="3346536"/>
+                  <a:pt x="3133596" y="2858021"/>
+                  <a:pt x="2204582" y="2329840"/>
+                </a:cubicBezTo>
+                <a:cubicBezTo>
+                  <a:pt x="1565885" y="1966716"/>
+                  <a:pt x="686421" y="1487155"/>
+                  <a:pt x="77018" y="1035655"/>
+                </a:cubicBezTo>
+                <a:lnTo>
+                  <a:pt x="0" y="976443"/>
+                </a:lnTo>
+                <a:lnTo>
+                  <a:pt x="0" y="0"/>
+                </a:lnTo>
+                <a:close/>
+              </a:path>
+            </a:pathLst>
+          </a:custGeom>
+        </p:spPr>
+        <p:style>
+          <a:lnRef idx="2">
+            <a:schemeClr val="accent1">
+              <a:shade val="50000"/>
+            </a:schemeClr>
+          </a:lnRef>
+          <a:fillRef idx="1">
+            <a:schemeClr val="accent1"/>
+          </a:fillRef>
+          <a:effectRef idx="0">
+            <a:schemeClr val="accent1"/>
+          </a:effectRef>
+          <a:fontRef idx="minor">
+            <a:schemeClr val="lt1"/>
+          </a:fontRef>
+        </p:style>
+        <p:txBody>
+          <a:bodyPr wrap="square" rtlCol="0" anchor="ctr">
+            <a:noAutofit/>
+          </a:bodyPr>
+          <a:lstStyle/>
+          <a:p>
+            <a:pPr algn="ctr"/>
+            <a:endParaRPr lang="en-US"/>
+          </a:p>
+        </p:txBody>
+      </p:sp>
+      <p:sp>
+        <p:nvSpPr>
+          <p:cNvPr id="4" name="Freeform: Shape 3">
+            <a:extLst>
+              <a:ext uri="{FF2B5EF4-FFF2-40B4-BE49-F238E27FC236}">
+                <a16:creationId xmlns:a16="http://schemas.microsoft.com/office/drawing/2014/main" id="{5B80C978-BB95-43AD-B9B3-5741E203CF2A}"/>
+              </a:ext>
+            </a:extLst>
+          </p:cNvPr>
+          <p:cNvSpPr/>
+          <p:nvPr/>
+        </p:nvSpPr>
+        <p:spPr>
+          <a:xfrm>
+            <a:off x="851770" y="3218602"/>
+            <a:ext cx="9958192" cy="3182198"/>
+          </a:xfrm>
+          <a:custGeom>
+            <a:avLst/>
+            <a:gdLst>
+              <a:gd name="connsiteX0" fmla="*/ 0 w 9958192"/>
+              <a:gd name="connsiteY0" fmla="*/ 0 h 3182198"/>
+              <a:gd name="connsiteX1" fmla="*/ 77018 w 9958192"/>
+              <a:gd name="connsiteY1" fmla="*/ 59212 h 3182198"/>
+              <a:gd name="connsiteX2" fmla="*/ 2204582 w 9958192"/>
+              <a:gd name="connsiteY2" fmla="*/ 1353397 h 3182198"/>
+              <a:gd name="connsiteX3" fmla="*/ 5035464 w 9958192"/>
+              <a:gd name="connsiteY3" fmla="*/ 2643578 h 3182198"/>
+              <a:gd name="connsiteX4" fmla="*/ 9802177 w 9958192"/>
+              <a:gd name="connsiteY4" fmla="*/ 2894039 h 3182198"/>
+              <a:gd name="connsiteX5" fmla="*/ 9958192 w 9958192"/>
+              <a:gd name="connsiteY5" fmla="*/ 2884974 h 3182198"/>
+              <a:gd name="connsiteX6" fmla="*/ 9958192 w 9958192"/>
+              <a:gd name="connsiteY6" fmla="*/ 3182198 h 3182198"/>
+              <a:gd name="connsiteX7" fmla="*/ 0 w 9958192"/>
+              <a:gd name="connsiteY7" fmla="*/ 3182198 h 3182198"/>
+              <a:gd name="connsiteX8" fmla="*/ 0 w 9958192"/>
+              <a:gd name="connsiteY8" fmla="*/ 0 h 3182198"/>
+            </a:gdLst>
+            <a:ahLst/>
+            <a:cxnLst>
+              <a:cxn ang="0">
+                <a:pos x="connsiteX0" y="connsiteY0"/>
+              </a:cxn>
+              <a:cxn ang="0">
+                <a:pos x="connsiteX1" y="connsiteY1"/>
+              </a:cxn>
+              <a:cxn ang="0">
+                <a:pos x="connsiteX2" y="connsiteY2"/>
+              </a:cxn>
+              <a:cxn ang="0">
+                <a:pos x="connsiteX3" y="connsiteY3"/>
+              </a:cxn>
+              <a:cxn ang="0">
+                <a:pos x="connsiteX4" y="connsiteY4"/>
+              </a:cxn>
+              <a:cxn ang="0">
+                <a:pos x="connsiteX5" y="connsiteY5"/>
+              </a:cxn>
+              <a:cxn ang="0">
+                <a:pos x="connsiteX6" y="connsiteY6"/>
+              </a:cxn>
+              <a:cxn ang="0">
+                <a:pos x="connsiteX7" y="connsiteY7"/>
+              </a:cxn>
+              <a:cxn ang="0">
+                <a:pos x="connsiteX8" y="connsiteY8"/>
+              </a:cxn>
+            </a:cxnLst>
+            <a:rect l="l" t="t" r="r" b="b"/>
+            <a:pathLst>
+              <a:path w="9958192" h="3182198">
+                <a:moveTo>
+                  <a:pt x="0" y="0"/>
+                </a:moveTo>
+                <a:lnTo>
+                  <a:pt x="77018" y="59212"/>
+                </a:lnTo>
+                <a:cubicBezTo>
+                  <a:pt x="686421" y="510712"/>
+                  <a:pt x="1565885" y="990273"/>
+                  <a:pt x="2204582" y="1353397"/>
+                </a:cubicBezTo>
+                <a:cubicBezTo>
+                  <a:pt x="3133596" y="1881578"/>
+                  <a:pt x="3812088" y="2370093"/>
+                  <a:pt x="5035464" y="2643578"/>
+                </a:cubicBezTo>
+                <a:cubicBezTo>
+                  <a:pt x="5876535" y="2831599"/>
+                  <a:pt x="8142474" y="2978177"/>
+                  <a:pt x="9802177" y="2894039"/>
+                </a:cubicBezTo>
+                <a:lnTo>
+                  <a:pt x="9958192" y="2884974"/>
+                </a:lnTo>
+                <a:lnTo>
+                  <a:pt x="9958192" y="3182198"/>
+                </a:lnTo>
+                <a:lnTo>
+                  <a:pt x="0" y="3182198"/>
+                </a:lnTo>
+                <a:lnTo>
+                  <a:pt x="0" y="0"/>
+                </a:lnTo>
+                <a:close/>
+              </a:path>
+            </a:pathLst>
+          </a:custGeom>
+        </p:spPr>
+        <p:style>
+          <a:lnRef idx="2">
+            <a:schemeClr val="accent1">
+              <a:shade val="50000"/>
+            </a:schemeClr>
+          </a:lnRef>
+          <a:fillRef idx="1">
+            <a:schemeClr val="accent1"/>
+          </a:fillRef>
+          <a:effectRef idx="0">
+            <a:schemeClr val="accent1"/>
+          </a:effectRef>
+          <a:fontRef idx="minor">
+            <a:schemeClr val="lt1"/>
+          </a:fontRef>
+        </p:style>
+        <p:txBody>
+          <a:bodyPr wrap="square" rtlCol="0" anchor="ctr">
+            <a:noAutofit/>
+          </a:bodyPr>
+          <a:lstStyle/>
+          <a:p>
+            <a:pPr algn="ctr"/>
+            <a:endParaRPr lang="en-US"/>
+          </a:p>
+        </p:txBody>
+      </p:sp>
+      <p:sp>
+        <p:nvSpPr>
+          <p:cNvPr id="7" name="Freeform: Shape 6">
+            <a:extLst>
+              <a:ext uri="{FF2B5EF4-FFF2-40B4-BE49-F238E27FC236}">
+                <a16:creationId xmlns:a16="http://schemas.microsoft.com/office/drawing/2014/main" id="{B8534B55-BEE3-4F4E-B35E-C0E3CF85DFF8}"/>
+              </a:ext>
+            </a:extLst>
+          </p:cNvPr>
+          <p:cNvSpPr/>
+          <p:nvPr/>
+        </p:nvSpPr>
+        <p:spPr>
+          <a:xfrm>
+            <a:off x="231249" y="1018786"/>
+            <a:ext cx="11692832" cy="3335942"/>
+          </a:xfrm>
+          <a:custGeom>
+            <a:avLst/>
+            <a:gdLst>
+              <a:gd name="connsiteX0" fmla="*/ 219688 w 11692832"/>
+              <a:gd name="connsiteY0" fmla="*/ 922748 h 3335942"/>
+              <a:gd name="connsiteX1" fmla="*/ 795885 w 11692832"/>
+              <a:gd name="connsiteY1" fmla="*/ 1336107 h 3335942"/>
+              <a:gd name="connsiteX2" fmla="*/ 3388773 w 11692832"/>
+              <a:gd name="connsiteY2" fmla="*/ 2839230 h 3335942"/>
+              <a:gd name="connsiteX3" fmla="*/ 6395019 w 11692832"/>
+              <a:gd name="connsiteY3" fmla="*/ 3189959 h 3335942"/>
+              <a:gd name="connsiteX4" fmla="*/ 10741551 w 11692832"/>
+              <a:gd name="connsiteY4" fmla="*/ 3215011 h 3335942"/>
+              <a:gd name="connsiteX5" fmla="*/ 11593321 w 11692832"/>
+              <a:gd name="connsiteY5" fmla="*/ 3189959 h 3335942"/>
+              <a:gd name="connsiteX6" fmla="*/ 11480587 w 11692832"/>
+              <a:gd name="connsiteY6" fmla="*/ 1336107 h 3335942"/>
+              <a:gd name="connsiteX7" fmla="*/ 11205014 w 11692832"/>
+              <a:gd name="connsiteY7" fmla="*/ 108556 h 3335942"/>
+              <a:gd name="connsiteX8" fmla="*/ 5793770 w 11692832"/>
+              <a:gd name="connsiteY8" fmla="*/ 70978 h 3335942"/>
+              <a:gd name="connsiteX9" fmla="*/ 520313 w 11692832"/>
+              <a:gd name="connsiteY9" fmla="*/ 196239 h 3335942"/>
+              <a:gd name="connsiteX10" fmla="*/ 219688 w 11692832"/>
+              <a:gd name="connsiteY10" fmla="*/ 922748 h 3335942"/>
+            </a:gdLst>
+            <a:ahLst/>
+            <a:cxnLst>
+              <a:cxn ang="0">
+                <a:pos x="connsiteX0" y="connsiteY0"/>
+              </a:cxn>
+              <a:cxn ang="0">
+                <a:pos x="connsiteX1" y="connsiteY1"/>
+              </a:cxn>
+              <a:cxn ang="0">
+                <a:pos x="connsiteX2" y="connsiteY2"/>
+              </a:cxn>
+              <a:cxn ang="0">
+                <a:pos x="connsiteX3" y="connsiteY3"/>
+              </a:cxn>
+              <a:cxn ang="0">
+                <a:pos x="connsiteX4" y="connsiteY4"/>
+              </a:cxn>
+              <a:cxn ang="0">
+                <a:pos x="connsiteX5" y="connsiteY5"/>
+              </a:cxn>
+              <a:cxn ang="0">
+                <a:pos x="connsiteX6" y="connsiteY6"/>
+              </a:cxn>
+              <a:cxn ang="0">
+                <a:pos x="connsiteX7" y="connsiteY7"/>
+              </a:cxn>
+              <a:cxn ang="0">
+                <a:pos x="connsiteX8" y="connsiteY8"/>
+              </a:cxn>
+              <a:cxn ang="0">
+                <a:pos x="connsiteX9" y="connsiteY9"/>
+              </a:cxn>
+              <a:cxn ang="0">
+                <a:pos x="connsiteX10" y="connsiteY10"/>
+              </a:cxn>
+            </a:cxnLst>
+            <a:rect l="l" t="t" r="r" b="b"/>
+            <a:pathLst>
+              <a:path w="11692832" h="3335942">
+                <a:moveTo>
+                  <a:pt x="219688" y="922748"/>
+                </a:moveTo>
+                <a:cubicBezTo>
+                  <a:pt x="265617" y="1112726"/>
+                  <a:pt x="267704" y="1016693"/>
+                  <a:pt x="795885" y="1336107"/>
+                </a:cubicBezTo>
+                <a:cubicBezTo>
+                  <a:pt x="1324066" y="1655521"/>
+                  <a:pt x="2455584" y="2530255"/>
+                  <a:pt x="3388773" y="2839230"/>
+                </a:cubicBezTo>
+                <a:cubicBezTo>
+                  <a:pt x="4321962" y="3148205"/>
+                  <a:pt x="5169556" y="3127329"/>
+                  <a:pt x="6395019" y="3189959"/>
+                </a:cubicBezTo>
+                <a:cubicBezTo>
+                  <a:pt x="7620482" y="3252589"/>
+                  <a:pt x="9875167" y="3215011"/>
+                  <a:pt x="10741551" y="3215011"/>
+                </a:cubicBezTo>
+                <a:cubicBezTo>
+                  <a:pt x="11607935" y="3215011"/>
+                  <a:pt x="11470148" y="3503110"/>
+                  <a:pt x="11593321" y="3189959"/>
+                </a:cubicBezTo>
+                <a:cubicBezTo>
+                  <a:pt x="11716494" y="2876808"/>
+                  <a:pt x="11545305" y="1849674"/>
+                  <a:pt x="11480587" y="1336107"/>
+                </a:cubicBezTo>
+                <a:cubicBezTo>
+                  <a:pt x="11415869" y="822540"/>
+                  <a:pt x="12152817" y="319411"/>
+                  <a:pt x="11205014" y="108556"/>
+                </a:cubicBezTo>
+                <a:cubicBezTo>
+                  <a:pt x="10257211" y="-102299"/>
+                  <a:pt x="7574554" y="56364"/>
+                  <a:pt x="5793770" y="70978"/>
+                </a:cubicBezTo>
+                <a:cubicBezTo>
+                  <a:pt x="4012987" y="85592"/>
+                  <a:pt x="1443063" y="54277"/>
+                  <a:pt x="520313" y="196239"/>
+                </a:cubicBezTo>
+                <a:cubicBezTo>
+                  <a:pt x="-402437" y="338201"/>
+                  <a:pt x="173759" y="732770"/>
+                  <a:pt x="219688" y="922748"/>
+                </a:cubicBezTo>
+                <a:close/>
+              </a:path>
+            </a:pathLst>
+          </a:custGeom>
+        </p:spPr>
+        <p:style>
+          <a:lnRef idx="2">
+            <a:schemeClr val="accent1">
+              <a:shade val="50000"/>
+            </a:schemeClr>
+          </a:lnRef>
+          <a:fillRef idx="1">
+            <a:schemeClr val="accent1"/>
+          </a:fillRef>
+          <a:effectRef idx="0">
+            <a:schemeClr val="accent1"/>
+          </a:effectRef>
+          <a:fontRef idx="minor">
+            <a:schemeClr val="lt1"/>
+          </a:fontRef>
+        </p:style>
+        <p:txBody>
+          <a:bodyPr rtlCol="0" anchor="ctr"/>
+          <a:lstStyle/>
+          <a:p>
+            <a:pPr algn="ctr"/>
+            <a:endParaRPr lang="en-US"/>
+          </a:p>
+        </p:txBody>
+      </p:sp>
+    </p:spTree>
+    <p:extLst>
+      <p:ext uri="{BB962C8B-B14F-4D97-AF65-F5344CB8AC3E}">
+        <p14:creationId xmlns:p14="http://schemas.microsoft.com/office/powerpoint/2010/main" val="4052999425"/>
+      </p:ext>
+    </p:extLst>
+  </p:cSld>
+  <p:clrMapOvr>
+    <a:masterClrMapping/>
+  </p:clrMapOvr>
+</p:sld>
+</file>
+
+<file path=ppt/slides/slide6.xml><?xml version="1.0" encoding="utf-8"?>
+<p:sld xmlns:a="http://schemas.openxmlformats.org/drawingml/2006/main" xmlns:r="http://schemas.openxmlformats.org/officeDocument/2006/relationships" xmlns:p="http://schemas.openxmlformats.org/presentationml/2006/main">
+  <p:cSld>
+    <p:spTree>
+      <p:nvGrpSpPr>
+        <p:cNvPr id="1" name=""/>
+        <p:cNvGrpSpPr/>
+        <p:nvPr/>
+      </p:nvGrpSpPr>
+      <p:grpSpPr>
+        <a:xfrm>
+          <a:off x="0" y="0"/>
+          <a:ext cx="0" cy="0"/>
+          <a:chOff x="0" y="0"/>
+          <a:chExt cx="0" cy="0"/>
+        </a:xfrm>
+      </p:grpSpPr>
+      <p:sp>
+        <p:nvSpPr>
+          <p:cNvPr id="4" name="Freeform: Shape 3">
+            <a:extLst>
+              <a:ext uri="{FF2B5EF4-FFF2-40B4-BE49-F238E27FC236}">
+                <a16:creationId xmlns:a16="http://schemas.microsoft.com/office/drawing/2014/main" id="{5B80C978-BB95-43AD-B9B3-5741E203CF2A}"/>
+              </a:ext>
+            </a:extLst>
+          </p:cNvPr>
+          <p:cNvSpPr/>
+          <p:nvPr/>
+        </p:nvSpPr>
+        <p:spPr>
+          <a:xfrm>
+            <a:off x="851770" y="3218602"/>
+            <a:ext cx="9958192" cy="3182198"/>
+          </a:xfrm>
+          <a:custGeom>
+            <a:avLst/>
+            <a:gdLst>
+              <a:gd name="connsiteX0" fmla="*/ 0 w 9958192"/>
+              <a:gd name="connsiteY0" fmla="*/ 0 h 3182198"/>
+              <a:gd name="connsiteX1" fmla="*/ 77018 w 9958192"/>
+              <a:gd name="connsiteY1" fmla="*/ 59212 h 3182198"/>
+              <a:gd name="connsiteX2" fmla="*/ 2204582 w 9958192"/>
+              <a:gd name="connsiteY2" fmla="*/ 1353397 h 3182198"/>
+              <a:gd name="connsiteX3" fmla="*/ 5035464 w 9958192"/>
+              <a:gd name="connsiteY3" fmla="*/ 2643578 h 3182198"/>
+              <a:gd name="connsiteX4" fmla="*/ 9802177 w 9958192"/>
+              <a:gd name="connsiteY4" fmla="*/ 2894039 h 3182198"/>
+              <a:gd name="connsiteX5" fmla="*/ 9958192 w 9958192"/>
+              <a:gd name="connsiteY5" fmla="*/ 2884974 h 3182198"/>
+              <a:gd name="connsiteX6" fmla="*/ 9958192 w 9958192"/>
+              <a:gd name="connsiteY6" fmla="*/ 3182198 h 3182198"/>
+              <a:gd name="connsiteX7" fmla="*/ 0 w 9958192"/>
+              <a:gd name="connsiteY7" fmla="*/ 3182198 h 3182198"/>
+              <a:gd name="connsiteX8" fmla="*/ 0 w 9958192"/>
+              <a:gd name="connsiteY8" fmla="*/ 0 h 3182198"/>
+            </a:gdLst>
+            <a:ahLst/>
+            <a:cxnLst>
+              <a:cxn ang="0">
+                <a:pos x="connsiteX0" y="connsiteY0"/>
+              </a:cxn>
+              <a:cxn ang="0">
+                <a:pos x="connsiteX1" y="connsiteY1"/>
+              </a:cxn>
+              <a:cxn ang="0">
+                <a:pos x="connsiteX2" y="connsiteY2"/>
+              </a:cxn>
+              <a:cxn ang="0">
+                <a:pos x="connsiteX3" y="connsiteY3"/>
+              </a:cxn>
+              <a:cxn ang="0">
+                <a:pos x="connsiteX4" y="connsiteY4"/>
+              </a:cxn>
+              <a:cxn ang="0">
+                <a:pos x="connsiteX5" y="connsiteY5"/>
+              </a:cxn>
+              <a:cxn ang="0">
+                <a:pos x="connsiteX6" y="connsiteY6"/>
+              </a:cxn>
+              <a:cxn ang="0">
+                <a:pos x="connsiteX7" y="connsiteY7"/>
+              </a:cxn>
+              <a:cxn ang="0">
+                <a:pos x="connsiteX8" y="connsiteY8"/>
+              </a:cxn>
+            </a:cxnLst>
+            <a:rect l="l" t="t" r="r" b="b"/>
+            <a:pathLst>
+              <a:path w="9958192" h="3182198">
+                <a:moveTo>
+                  <a:pt x="0" y="0"/>
+                </a:moveTo>
+                <a:lnTo>
+                  <a:pt x="77018" y="59212"/>
+                </a:lnTo>
+                <a:cubicBezTo>
+                  <a:pt x="686421" y="510712"/>
+                  <a:pt x="1565885" y="990273"/>
+                  <a:pt x="2204582" y="1353397"/>
+                </a:cubicBezTo>
+                <a:cubicBezTo>
+                  <a:pt x="3133596" y="1881578"/>
+                  <a:pt x="3812088" y="2370093"/>
+                  <a:pt x="5035464" y="2643578"/>
+                </a:cubicBezTo>
+                <a:cubicBezTo>
+                  <a:pt x="5876535" y="2831599"/>
+                  <a:pt x="8142474" y="2978177"/>
+                  <a:pt x="9802177" y="2894039"/>
+                </a:cubicBezTo>
+                <a:lnTo>
+                  <a:pt x="9958192" y="2884974"/>
+                </a:lnTo>
+                <a:lnTo>
+                  <a:pt x="9958192" y="3182198"/>
+                </a:lnTo>
+                <a:lnTo>
+                  <a:pt x="0" y="3182198"/>
+                </a:lnTo>
+                <a:lnTo>
+                  <a:pt x="0" y="0"/>
+                </a:lnTo>
+                <a:close/>
+              </a:path>
+            </a:pathLst>
+          </a:custGeom>
+        </p:spPr>
+        <p:style>
+          <a:lnRef idx="2">
+            <a:schemeClr val="accent1">
+              <a:shade val="50000"/>
+            </a:schemeClr>
+          </a:lnRef>
+          <a:fillRef idx="1">
+            <a:schemeClr val="accent1"/>
+          </a:fillRef>
+          <a:effectRef idx="0">
+            <a:schemeClr val="accent1"/>
+          </a:effectRef>
+          <a:fontRef idx="minor">
+            <a:schemeClr val="lt1"/>
+          </a:fontRef>
+        </p:style>
+        <p:txBody>
+          <a:bodyPr wrap="square" rtlCol="0" anchor="ctr">
+            <a:noAutofit/>
+          </a:bodyPr>
+          <a:lstStyle/>
+          <a:p>
+            <a:pPr algn="ctr"/>
+            <a:endParaRPr lang="en-US"/>
+          </a:p>
+        </p:txBody>
+      </p:sp>
+      <p:sp>
+        <p:nvSpPr>
+          <p:cNvPr id="8" name="Freeform: Shape 7">
+            <a:extLst>
+              <a:ext uri="{FF2B5EF4-FFF2-40B4-BE49-F238E27FC236}">
+                <a16:creationId xmlns:a16="http://schemas.microsoft.com/office/drawing/2014/main" id="{EE2D5E5E-66B2-42C1-97C4-CF58B2BAC627}"/>
+              </a:ext>
+            </a:extLst>
+          </p:cNvPr>
+          <p:cNvSpPr/>
+          <p:nvPr/>
+        </p:nvSpPr>
+        <p:spPr>
+          <a:xfrm>
+            <a:off x="851770" y="2252755"/>
+            <a:ext cx="9958192" cy="3884198"/>
+          </a:xfrm>
+          <a:custGeom>
+            <a:avLst/>
+            <a:gdLst>
+              <a:gd name="connsiteX0" fmla="*/ 0 w 9958192"/>
+              <a:gd name="connsiteY0" fmla="*/ 0 h 3884198"/>
+              <a:gd name="connsiteX1" fmla="*/ 844 w 9958192"/>
+              <a:gd name="connsiteY1" fmla="*/ 462 h 3884198"/>
+              <a:gd name="connsiteX2" fmla="*/ 175364 w 9958192"/>
+              <a:gd name="connsiteY2" fmla="*/ 102138 h 3884198"/>
+              <a:gd name="connsiteX3" fmla="*/ 2768252 w 9958192"/>
+              <a:gd name="connsiteY3" fmla="*/ 1605261 h 3884198"/>
+              <a:gd name="connsiteX4" fmla="*/ 5774498 w 9958192"/>
+              <a:gd name="connsiteY4" fmla="*/ 1955990 h 3884198"/>
+              <a:gd name="connsiteX5" fmla="*/ 9942904 w 9958192"/>
+              <a:gd name="connsiteY5" fmla="*/ 1981449 h 3884198"/>
+              <a:gd name="connsiteX6" fmla="*/ 9958192 w 9958192"/>
+              <a:gd name="connsiteY6" fmla="*/ 1981400 h 3884198"/>
+              <a:gd name="connsiteX7" fmla="*/ 9958192 w 9958192"/>
+              <a:gd name="connsiteY7" fmla="*/ 3850821 h 3884198"/>
+              <a:gd name="connsiteX8" fmla="*/ 9802177 w 9958192"/>
+              <a:gd name="connsiteY8" fmla="*/ 3859886 h 3884198"/>
+              <a:gd name="connsiteX9" fmla="*/ 5035464 w 9958192"/>
+              <a:gd name="connsiteY9" fmla="*/ 3609425 h 3884198"/>
+              <a:gd name="connsiteX10" fmla="*/ 2204582 w 9958192"/>
+              <a:gd name="connsiteY10" fmla="*/ 2319244 h 3884198"/>
+              <a:gd name="connsiteX11" fmla="*/ 77018 w 9958192"/>
+              <a:gd name="connsiteY11" fmla="*/ 1025059 h 3884198"/>
+              <a:gd name="connsiteX12" fmla="*/ 0 w 9958192"/>
+              <a:gd name="connsiteY12" fmla="*/ 965847 h 3884198"/>
+              <a:gd name="connsiteX13" fmla="*/ 0 w 9958192"/>
+              <a:gd name="connsiteY13" fmla="*/ 0 h 3884198"/>
+            </a:gdLst>
+            <a:ahLst/>
+            <a:cxnLst>
+              <a:cxn ang="0">
+                <a:pos x="connsiteX0" y="connsiteY0"/>
+              </a:cxn>
+              <a:cxn ang="0">
+                <a:pos x="connsiteX1" y="connsiteY1"/>
+              </a:cxn>
+              <a:cxn ang="0">
+                <a:pos x="connsiteX2" y="connsiteY2"/>
+              </a:cxn>
+              <a:cxn ang="0">
+                <a:pos x="connsiteX3" y="connsiteY3"/>
+              </a:cxn>
+              <a:cxn ang="0">
+                <a:pos x="connsiteX4" y="connsiteY4"/>
+              </a:cxn>
+              <a:cxn ang="0">
+                <a:pos x="connsiteX5" y="connsiteY5"/>
+              </a:cxn>
+              <a:cxn ang="0">
+                <a:pos x="connsiteX6" y="connsiteY6"/>
+              </a:cxn>
+              <a:cxn ang="0">
+                <a:pos x="connsiteX7" y="connsiteY7"/>
+              </a:cxn>
+              <a:cxn ang="0">
+                <a:pos x="connsiteX8" y="connsiteY8"/>
+              </a:cxn>
+              <a:cxn ang="0">
+                <a:pos x="connsiteX9" y="connsiteY9"/>
+              </a:cxn>
+              <a:cxn ang="0">
+                <a:pos x="connsiteX10" y="connsiteY10"/>
+              </a:cxn>
+              <a:cxn ang="0">
+                <a:pos x="connsiteX11" y="connsiteY11"/>
+              </a:cxn>
+              <a:cxn ang="0">
+                <a:pos x="connsiteX12" y="connsiteY12"/>
+              </a:cxn>
+              <a:cxn ang="0">
+                <a:pos x="connsiteX13" y="connsiteY13"/>
+              </a:cxn>
+            </a:cxnLst>
+            <a:rect l="l" t="t" r="r" b="b"/>
+            <a:pathLst>
+              <a:path w="9958192" h="3884198">
+                <a:moveTo>
+                  <a:pt x="0" y="0"/>
+                </a:moveTo>
+                <a:lnTo>
+                  <a:pt x="844" y="462"/>
+                </a:lnTo>
+                <a:cubicBezTo>
+                  <a:pt x="51539" y="28776"/>
+                  <a:pt x="109341" y="62211"/>
+                  <a:pt x="175364" y="102138"/>
+                </a:cubicBezTo>
+                <a:cubicBezTo>
+                  <a:pt x="703545" y="421552"/>
+                  <a:pt x="1835063" y="1296286"/>
+                  <a:pt x="2768252" y="1605261"/>
+                </a:cubicBezTo>
+                <a:cubicBezTo>
+                  <a:pt x="3701441" y="1914236"/>
+                  <a:pt x="4549035" y="1893360"/>
+                  <a:pt x="5774498" y="1955990"/>
+                </a:cubicBezTo>
+                <a:cubicBezTo>
+                  <a:pt x="6923370" y="2014706"/>
+                  <a:pt x="8976831" y="1985348"/>
+                  <a:pt x="9942904" y="1981449"/>
+                </a:cubicBezTo>
+                <a:lnTo>
+                  <a:pt x="9958192" y="1981400"/>
+                </a:lnTo>
+                <a:lnTo>
+                  <a:pt x="9958192" y="3850821"/>
+                </a:lnTo>
+                <a:lnTo>
+                  <a:pt x="9802177" y="3859886"/>
+                </a:lnTo>
+                <a:cubicBezTo>
+                  <a:pt x="8142474" y="3944024"/>
+                  <a:pt x="5876535" y="3797446"/>
+                  <a:pt x="5035464" y="3609425"/>
+                </a:cubicBezTo>
+                <a:cubicBezTo>
+                  <a:pt x="3812088" y="3335940"/>
+                  <a:pt x="3133596" y="2847425"/>
+                  <a:pt x="2204582" y="2319244"/>
+                </a:cubicBezTo>
+                <a:cubicBezTo>
+                  <a:pt x="1565885" y="1956120"/>
+                  <a:pt x="686421" y="1476559"/>
+                  <a:pt x="77018" y="1025059"/>
+                </a:cubicBezTo>
+                <a:lnTo>
+                  <a:pt x="0" y="965847"/>
+                </a:lnTo>
+                <a:lnTo>
+                  <a:pt x="0" y="0"/>
+                </a:lnTo>
+                <a:close/>
+              </a:path>
+            </a:pathLst>
+          </a:custGeom>
+        </p:spPr>
+        <p:style>
+          <a:lnRef idx="2">
+            <a:schemeClr val="accent1">
+              <a:shade val="50000"/>
+            </a:schemeClr>
+          </a:lnRef>
+          <a:fillRef idx="1">
+            <a:schemeClr val="accent1"/>
+          </a:fillRef>
+          <a:effectRef idx="0">
+            <a:schemeClr val="accent1"/>
+          </a:effectRef>
+          <a:fontRef idx="minor">
+            <a:schemeClr val="lt1"/>
+          </a:fontRef>
+        </p:style>
+        <p:txBody>
+          <a:bodyPr wrap="square" rtlCol="0" anchor="ctr">
+            <a:noAutofit/>
+          </a:bodyPr>
+          <a:lstStyle/>
+          <a:p>
+            <a:pPr algn="ctr"/>
+            <a:endParaRPr lang="en-US"/>
+          </a:p>
+        </p:txBody>
+      </p:sp>
+    </p:spTree>
+    <p:extLst>
+      <p:ext uri="{BB962C8B-B14F-4D97-AF65-F5344CB8AC3E}">
+        <p14:creationId xmlns:p14="http://schemas.microsoft.com/office/powerpoint/2010/main" val="1860357190"/>
+      </p:ext>
+    </p:extLst>
+  </p:cSld>
+  <p:clrMapOvr>
+    <a:masterClrMapping/>
+  </p:clrMapOvr>
+</p:sld>
+</file>
+
+<file path=ppt/slides/slide7.xml><?xml version="1.0" encoding="utf-8"?>
+<p:sld xmlns:a="http://schemas.openxmlformats.org/drawingml/2006/main" xmlns:r="http://schemas.openxmlformats.org/officeDocument/2006/relationships" xmlns:p="http://schemas.openxmlformats.org/presentationml/2006/main">
+  <p:cSld>
+    <p:spTree>
+      <p:nvGrpSpPr>
+        <p:cNvPr id="1" name=""/>
+        <p:cNvGrpSpPr/>
+        <p:nvPr/>
+      </p:nvGrpSpPr>
+      <p:grpSpPr>
+        <a:xfrm>
+          <a:off x="0" y="0"/>
+          <a:ext cx="0" cy="0"/>
+          <a:chOff x="0" y="0"/>
+          <a:chExt cx="0" cy="0"/>
+        </a:xfrm>
+      </p:grpSpPr>
+      <p:sp>
+        <p:nvSpPr>
+          <p:cNvPr id="4" name="Freeform: Shape 3">
+            <a:extLst>
+              <a:ext uri="{FF2B5EF4-FFF2-40B4-BE49-F238E27FC236}">
+                <a16:creationId xmlns:a16="http://schemas.microsoft.com/office/drawing/2014/main" id="{5B80C978-BB95-43AD-B9B3-5741E203CF2A}"/>
+              </a:ext>
+            </a:extLst>
+          </p:cNvPr>
+          <p:cNvSpPr/>
+          <p:nvPr/>
+        </p:nvSpPr>
+        <p:spPr>
+          <a:xfrm>
+            <a:off x="851770" y="3218602"/>
+            <a:ext cx="9958192" cy="3182198"/>
+          </a:xfrm>
+          <a:custGeom>
+            <a:avLst/>
+            <a:gdLst>
+              <a:gd name="connsiteX0" fmla="*/ 0 w 9958192"/>
+              <a:gd name="connsiteY0" fmla="*/ 0 h 3182198"/>
+              <a:gd name="connsiteX1" fmla="*/ 77018 w 9958192"/>
+              <a:gd name="connsiteY1" fmla="*/ 59212 h 3182198"/>
+              <a:gd name="connsiteX2" fmla="*/ 2204582 w 9958192"/>
+              <a:gd name="connsiteY2" fmla="*/ 1353397 h 3182198"/>
+              <a:gd name="connsiteX3" fmla="*/ 5035464 w 9958192"/>
+              <a:gd name="connsiteY3" fmla="*/ 2643578 h 3182198"/>
+              <a:gd name="connsiteX4" fmla="*/ 9802177 w 9958192"/>
+              <a:gd name="connsiteY4" fmla="*/ 2894039 h 3182198"/>
+              <a:gd name="connsiteX5" fmla="*/ 9958192 w 9958192"/>
+              <a:gd name="connsiteY5" fmla="*/ 2884974 h 3182198"/>
+              <a:gd name="connsiteX6" fmla="*/ 9958192 w 9958192"/>
+              <a:gd name="connsiteY6" fmla="*/ 3182198 h 3182198"/>
+              <a:gd name="connsiteX7" fmla="*/ 0 w 9958192"/>
+              <a:gd name="connsiteY7" fmla="*/ 3182198 h 3182198"/>
+              <a:gd name="connsiteX8" fmla="*/ 0 w 9958192"/>
+              <a:gd name="connsiteY8" fmla="*/ 0 h 3182198"/>
+            </a:gdLst>
+            <a:ahLst/>
+            <a:cxnLst>
+              <a:cxn ang="0">
+                <a:pos x="connsiteX0" y="connsiteY0"/>
+              </a:cxn>
+              <a:cxn ang="0">
+                <a:pos x="connsiteX1" y="connsiteY1"/>
+              </a:cxn>
+              <a:cxn ang="0">
+                <a:pos x="connsiteX2" y="connsiteY2"/>
+              </a:cxn>
+              <a:cxn ang="0">
+                <a:pos x="connsiteX3" y="connsiteY3"/>
+              </a:cxn>
+              <a:cxn ang="0">
+                <a:pos x="connsiteX4" y="connsiteY4"/>
+              </a:cxn>
+              <a:cxn ang="0">
+                <a:pos x="connsiteX5" y="connsiteY5"/>
+              </a:cxn>
+              <a:cxn ang="0">
+                <a:pos x="connsiteX6" y="connsiteY6"/>
+              </a:cxn>
+              <a:cxn ang="0">
+                <a:pos x="connsiteX7" y="connsiteY7"/>
+              </a:cxn>
+              <a:cxn ang="0">
+                <a:pos x="connsiteX8" y="connsiteY8"/>
+              </a:cxn>
+            </a:cxnLst>
+            <a:rect l="l" t="t" r="r" b="b"/>
+            <a:pathLst>
+              <a:path w="9958192" h="3182198">
+                <a:moveTo>
+                  <a:pt x="0" y="0"/>
+                </a:moveTo>
+                <a:lnTo>
+                  <a:pt x="77018" y="59212"/>
+                </a:lnTo>
+                <a:cubicBezTo>
+                  <a:pt x="686421" y="510712"/>
+                  <a:pt x="1565885" y="990273"/>
+                  <a:pt x="2204582" y="1353397"/>
+                </a:cubicBezTo>
+                <a:cubicBezTo>
+                  <a:pt x="3133596" y="1881578"/>
+                  <a:pt x="3812088" y="2370093"/>
+                  <a:pt x="5035464" y="2643578"/>
+                </a:cubicBezTo>
+                <a:cubicBezTo>
+                  <a:pt x="5876535" y="2831599"/>
+                  <a:pt x="8142474" y="2978177"/>
+                  <a:pt x="9802177" y="2894039"/>
+                </a:cubicBezTo>
+                <a:lnTo>
+                  <a:pt x="9958192" y="2884974"/>
+                </a:lnTo>
+                <a:lnTo>
+                  <a:pt x="9958192" y="3182198"/>
+                </a:lnTo>
+                <a:lnTo>
+                  <a:pt x="0" y="3182198"/>
+                </a:lnTo>
+                <a:lnTo>
+                  <a:pt x="0" y="0"/>
+                </a:lnTo>
+                <a:close/>
+              </a:path>
+            </a:pathLst>
+          </a:custGeom>
+          <a:gradFill flip="none" rotWithShape="1">
+            <a:gsLst>
+              <a:gs pos="0">
+                <a:schemeClr val="tx1">
+                  <a:lumMod val="50000"/>
+                  <a:lumOff val="50000"/>
+                  <a:shade val="30000"/>
+                  <a:satMod val="115000"/>
+                </a:schemeClr>
+              </a:gs>
+              <a:gs pos="50000">
+                <a:schemeClr val="tx1">
+                  <a:lumMod val="50000"/>
+                  <a:lumOff val="50000"/>
+                  <a:shade val="67500"/>
+                  <a:satMod val="115000"/>
+                </a:schemeClr>
+              </a:gs>
+              <a:gs pos="100000">
+                <a:schemeClr val="tx1">
+                  <a:lumMod val="50000"/>
+                  <a:lumOff val="50000"/>
+                  <a:shade val="100000"/>
+                  <a:satMod val="115000"/>
+                </a:schemeClr>
+              </a:gs>
+            </a:gsLst>
+            <a:lin ang="16200000" scaled="1"/>
+            <a:tileRect/>
+          </a:gradFill>
+          <a:ln>
+            <a:noFill/>
+          </a:ln>
+        </p:spPr>
+        <p:style>
+          <a:lnRef idx="2">
+            <a:schemeClr val="accent1">
+              <a:shade val="50000"/>
+            </a:schemeClr>
+          </a:lnRef>
+          <a:fillRef idx="1">
+            <a:schemeClr val="accent1"/>
+          </a:fillRef>
+          <a:effectRef idx="0">
+            <a:schemeClr val="accent1"/>
+          </a:effectRef>
+          <a:fontRef idx="minor">
+            <a:schemeClr val="lt1"/>
+          </a:fontRef>
+        </p:style>
+        <p:txBody>
+          <a:bodyPr wrap="square" rtlCol="0" anchor="ctr">
+            <a:noAutofit/>
+          </a:bodyPr>
+          <a:lstStyle/>
+          <a:p>
+            <a:pPr algn="ctr"/>
+            <a:endParaRPr lang="en-US"/>
+          </a:p>
+        </p:txBody>
+      </p:sp>
+      <p:sp>
+        <p:nvSpPr>
+          <p:cNvPr id="8" name="Freeform: Shape 7">
+            <a:extLst>
+              <a:ext uri="{FF2B5EF4-FFF2-40B4-BE49-F238E27FC236}">
+                <a16:creationId xmlns:a16="http://schemas.microsoft.com/office/drawing/2014/main" id="{EE2D5E5E-66B2-42C1-97C4-CF58B2BAC627}"/>
+              </a:ext>
+            </a:extLst>
+          </p:cNvPr>
+          <p:cNvSpPr/>
+          <p:nvPr/>
+        </p:nvSpPr>
+        <p:spPr>
+          <a:xfrm>
+            <a:off x="851770" y="2265281"/>
+            <a:ext cx="9958192" cy="3884198"/>
+          </a:xfrm>
+          <a:custGeom>
+            <a:avLst/>
+            <a:gdLst>
+              <a:gd name="connsiteX0" fmla="*/ 0 w 9958192"/>
+              <a:gd name="connsiteY0" fmla="*/ 0 h 3884198"/>
+              <a:gd name="connsiteX1" fmla="*/ 844 w 9958192"/>
+              <a:gd name="connsiteY1" fmla="*/ 462 h 3884198"/>
+              <a:gd name="connsiteX2" fmla="*/ 175364 w 9958192"/>
+              <a:gd name="connsiteY2" fmla="*/ 102138 h 3884198"/>
+              <a:gd name="connsiteX3" fmla="*/ 2768252 w 9958192"/>
+              <a:gd name="connsiteY3" fmla="*/ 1605261 h 3884198"/>
+              <a:gd name="connsiteX4" fmla="*/ 5774498 w 9958192"/>
+              <a:gd name="connsiteY4" fmla="*/ 1955990 h 3884198"/>
+              <a:gd name="connsiteX5" fmla="*/ 9942904 w 9958192"/>
+              <a:gd name="connsiteY5" fmla="*/ 1981449 h 3884198"/>
+              <a:gd name="connsiteX6" fmla="*/ 9958192 w 9958192"/>
+              <a:gd name="connsiteY6" fmla="*/ 1981400 h 3884198"/>
+              <a:gd name="connsiteX7" fmla="*/ 9958192 w 9958192"/>
+              <a:gd name="connsiteY7" fmla="*/ 3850821 h 3884198"/>
+              <a:gd name="connsiteX8" fmla="*/ 9802177 w 9958192"/>
+              <a:gd name="connsiteY8" fmla="*/ 3859886 h 3884198"/>
+              <a:gd name="connsiteX9" fmla="*/ 5035464 w 9958192"/>
+              <a:gd name="connsiteY9" fmla="*/ 3609425 h 3884198"/>
+              <a:gd name="connsiteX10" fmla="*/ 2204582 w 9958192"/>
+              <a:gd name="connsiteY10" fmla="*/ 2319244 h 3884198"/>
+              <a:gd name="connsiteX11" fmla="*/ 77018 w 9958192"/>
+              <a:gd name="connsiteY11" fmla="*/ 1025059 h 3884198"/>
+              <a:gd name="connsiteX12" fmla="*/ 0 w 9958192"/>
+              <a:gd name="connsiteY12" fmla="*/ 965847 h 3884198"/>
+              <a:gd name="connsiteX13" fmla="*/ 0 w 9958192"/>
+              <a:gd name="connsiteY13" fmla="*/ 0 h 3884198"/>
+            </a:gdLst>
+            <a:ahLst/>
+            <a:cxnLst>
+              <a:cxn ang="0">
+                <a:pos x="connsiteX0" y="connsiteY0"/>
+              </a:cxn>
+              <a:cxn ang="0">
+                <a:pos x="connsiteX1" y="connsiteY1"/>
+              </a:cxn>
+              <a:cxn ang="0">
+                <a:pos x="connsiteX2" y="connsiteY2"/>
+              </a:cxn>
+              <a:cxn ang="0">
+                <a:pos x="connsiteX3" y="connsiteY3"/>
+              </a:cxn>
+              <a:cxn ang="0">
+                <a:pos x="connsiteX4" y="connsiteY4"/>
+              </a:cxn>
+              <a:cxn ang="0">
+                <a:pos x="connsiteX5" y="connsiteY5"/>
+              </a:cxn>
+              <a:cxn ang="0">
+                <a:pos x="connsiteX6" y="connsiteY6"/>
+              </a:cxn>
+              <a:cxn ang="0">
+                <a:pos x="connsiteX7" y="connsiteY7"/>
+              </a:cxn>
+              <a:cxn ang="0">
+                <a:pos x="connsiteX8" y="connsiteY8"/>
+              </a:cxn>
+              <a:cxn ang="0">
+                <a:pos x="connsiteX9" y="connsiteY9"/>
+              </a:cxn>
+              <a:cxn ang="0">
+                <a:pos x="connsiteX10" y="connsiteY10"/>
+              </a:cxn>
+              <a:cxn ang="0">
+                <a:pos x="connsiteX11" y="connsiteY11"/>
+              </a:cxn>
+              <a:cxn ang="0">
+                <a:pos x="connsiteX12" y="connsiteY12"/>
+              </a:cxn>
+              <a:cxn ang="0">
+                <a:pos x="connsiteX13" y="connsiteY13"/>
+              </a:cxn>
+            </a:cxnLst>
+            <a:rect l="l" t="t" r="r" b="b"/>
+            <a:pathLst>
+              <a:path w="9958192" h="3884198">
+                <a:moveTo>
+                  <a:pt x="0" y="0"/>
+                </a:moveTo>
+                <a:lnTo>
+                  <a:pt x="844" y="462"/>
+                </a:lnTo>
+                <a:cubicBezTo>
+                  <a:pt x="51539" y="28776"/>
+                  <a:pt x="109341" y="62211"/>
+                  <a:pt x="175364" y="102138"/>
+                </a:cubicBezTo>
+                <a:cubicBezTo>
+                  <a:pt x="703545" y="421552"/>
+                  <a:pt x="1835063" y="1296286"/>
+                  <a:pt x="2768252" y="1605261"/>
+                </a:cubicBezTo>
+                <a:cubicBezTo>
+                  <a:pt x="3701441" y="1914236"/>
+                  <a:pt x="4549035" y="1893360"/>
+                  <a:pt x="5774498" y="1955990"/>
+                </a:cubicBezTo>
+                <a:cubicBezTo>
+                  <a:pt x="6923370" y="2014706"/>
+                  <a:pt x="8976831" y="1985348"/>
+                  <a:pt x="9942904" y="1981449"/>
+                </a:cubicBezTo>
+                <a:lnTo>
+                  <a:pt x="9958192" y="1981400"/>
+                </a:lnTo>
+                <a:lnTo>
+                  <a:pt x="9958192" y="3850821"/>
+                </a:lnTo>
+                <a:lnTo>
+                  <a:pt x="9802177" y="3859886"/>
+                </a:lnTo>
+                <a:cubicBezTo>
+                  <a:pt x="8142474" y="3944024"/>
+                  <a:pt x="5876535" y="3797446"/>
+                  <a:pt x="5035464" y="3609425"/>
+                </a:cubicBezTo>
+                <a:cubicBezTo>
+                  <a:pt x="3812088" y="3335940"/>
+                  <a:pt x="3133596" y="2847425"/>
+                  <a:pt x="2204582" y="2319244"/>
+                </a:cubicBezTo>
+                <a:cubicBezTo>
+                  <a:pt x="1565885" y="1956120"/>
+                  <a:pt x="686421" y="1476559"/>
+                  <a:pt x="77018" y="1025059"/>
+                </a:cubicBezTo>
+                <a:lnTo>
+                  <a:pt x="0" y="965847"/>
+                </a:lnTo>
+                <a:lnTo>
+                  <a:pt x="0" y="0"/>
+                </a:lnTo>
+                <a:close/>
+              </a:path>
+            </a:pathLst>
+          </a:custGeom>
+          <a:gradFill flip="none" rotWithShape="1">
+            <a:gsLst>
+              <a:gs pos="0">
+                <a:schemeClr val="accent1">
+                  <a:lumMod val="60000"/>
+                  <a:lumOff val="40000"/>
+                  <a:tint val="66000"/>
+                  <a:satMod val="160000"/>
+                </a:schemeClr>
+              </a:gs>
+              <a:gs pos="50000">
+                <a:schemeClr val="accent1">
+                  <a:lumMod val="60000"/>
+                  <a:lumOff val="40000"/>
+                  <a:tint val="44500"/>
+                  <a:satMod val="160000"/>
+                </a:schemeClr>
+              </a:gs>
+              <a:gs pos="100000">
+                <a:schemeClr val="accent1">
+                  <a:lumMod val="60000"/>
+                  <a:lumOff val="40000"/>
+                  <a:tint val="23500"/>
+                  <a:satMod val="160000"/>
+                </a:schemeClr>
+              </a:gs>
+            </a:gsLst>
+            <a:lin ang="5400000" scaled="1"/>
+            <a:tileRect/>
+          </a:gradFill>
+          <a:ln>
+            <a:noFill/>
+          </a:ln>
+        </p:spPr>
+        <p:style>
+          <a:lnRef idx="2">
+            <a:schemeClr val="accent1">
+              <a:shade val="50000"/>
+            </a:schemeClr>
+          </a:lnRef>
+          <a:fillRef idx="1">
+            <a:schemeClr val="accent1"/>
+          </a:fillRef>
+          <a:effectRef idx="0">
+            <a:schemeClr val="accent1"/>
+          </a:effectRef>
+          <a:fontRef idx="minor">
+            <a:schemeClr val="lt1"/>
+          </a:fontRef>
+        </p:style>
+        <p:txBody>
+          <a:bodyPr wrap="square" rtlCol="0" anchor="ctr">
+            <a:noAutofit/>
+          </a:bodyPr>
+          <a:lstStyle/>
+          <a:p>
+            <a:pPr algn="ctr"/>
+            <a:endParaRPr lang="en-US"/>
+          </a:p>
+        </p:txBody>
+      </p:sp>
+    </p:spTree>
+    <p:extLst>
+      <p:ext uri="{BB962C8B-B14F-4D97-AF65-F5344CB8AC3E}">
+        <p14:creationId xmlns:p14="http://schemas.microsoft.com/office/powerpoint/2010/main" val="3762785988"/>
+      </p:ext>
+    </p:extLst>
+  </p:cSld>
+  <p:clrMapOvr>
+    <a:masterClrMapping/>
+  </p:clrMapOvr>
+</p:sld>
+</file>
+
+<file path=ppt/slides/slide8.xml><?xml version="1.0" encoding="utf-8"?>
 <p:sld xmlns:a="http://schemas.openxmlformats.org/drawingml/2006/main" xmlns:r="http://schemas.openxmlformats.org/officeDocument/2006/relationships" xmlns:p="http://schemas.openxmlformats.org/presentationml/2006/main">
   <p:cSld>
     <p:spTree>
@@ -54613,6 +56831,36 @@
 </p:sld>
 </file>
 
+<file path=ppt/slides/slide9.xml><?xml version="1.0" encoding="utf-8"?>
+<p:sld xmlns:a="http://schemas.openxmlformats.org/drawingml/2006/main" xmlns:r="http://schemas.openxmlformats.org/officeDocument/2006/relationships" xmlns:p="http://schemas.openxmlformats.org/presentationml/2006/main">
+  <p:cSld>
+    <p:spTree>
+      <p:nvGrpSpPr>
+        <p:cNvPr id="1" name=""/>
+        <p:cNvGrpSpPr/>
+        <p:nvPr/>
+      </p:nvGrpSpPr>
+      <p:grpSpPr>
+        <a:xfrm>
+          <a:off x="0" y="0"/>
+          <a:ext cx="0" cy="0"/>
+          <a:chOff x="0" y="0"/>
+          <a:chExt cx="0" cy="0"/>
+        </a:xfrm>
+      </p:grpSpPr>
+    </p:spTree>
+    <p:extLst>
+      <p:ext uri="{BB962C8B-B14F-4D97-AF65-F5344CB8AC3E}">
+        <p14:creationId xmlns:p14="http://schemas.microsoft.com/office/powerpoint/2010/main" val="636356883"/>
+      </p:ext>
+    </p:extLst>
+  </p:cSld>
+  <p:clrMapOvr>
+    <a:masterClrMapping/>
+  </p:clrMapOvr>
+</p:sld>
+</file>
+
 <file path=ppt/theme/theme1.xml><?xml version="1.0" encoding="utf-8"?>
 <a:theme xmlns:a="http://schemas.openxmlformats.org/drawingml/2006/main" name="Office Theme">
   <a:themeElements>
